--- a/Whiteboard design session/WDS trainer presentation - App modernization.pptx
+++ b/Whiteboard design session/WDS trainer presentation - App modernization.pptx
@@ -6,7 +6,7 @@
     <p:sldMasterId id="2147483665" r:id="rId2"/>
   </p:sldMasterIdLst>
   <p:notesMasterIdLst>
-    <p:notesMasterId r:id="rId19"/>
+    <p:notesMasterId r:id="rId23"/>
   </p:notesMasterIdLst>
   <p:sldIdLst>
     <p:sldId id="300" r:id="rId3"/>
@@ -22,9 +22,13 @@
     <p:sldId id="317" r:id="rId13"/>
     <p:sldId id="327" r:id="rId14"/>
     <p:sldId id="330" r:id="rId15"/>
-    <p:sldId id="337" r:id="rId16"/>
-    <p:sldId id="318" r:id="rId17"/>
-    <p:sldId id="315" r:id="rId18"/>
+    <p:sldId id="339" r:id="rId16"/>
+    <p:sldId id="340" r:id="rId17"/>
+    <p:sldId id="341" r:id="rId18"/>
+    <p:sldId id="342" r:id="rId19"/>
+    <p:sldId id="337" r:id="rId20"/>
+    <p:sldId id="318" r:id="rId21"/>
+    <p:sldId id="315" r:id="rId22"/>
   </p:sldIdLst>
   <p:sldSz cx="12192000" cy="6858000"/>
   <p:notesSz cx="6858000" cy="9144000"/>
@@ -221,7 +225,7 @@
           <a:p>
             <a:fld id="{52A13B17-C506-4D51-BB37-16B365906619}" type="datetimeFigureOut">
               <a:rPr lang="en-US" smtClean="0"/>
-              <a:t>2021-02-16</a:t>
+              <a:t>2021-03-02</a:t>
             </a:fld>
             <a:endParaRPr lang="en-US" dirty="0"/>
           </a:p>
@@ -1212,165 +1216,137 @@
           <a:bodyPr/>
           <a:lstStyle/>
           <a:p>
-            <a:r>
-              <a:rPr lang="en-US" sz="4800" b="0" dirty="0">
+            <a:pPr marL="171450" indent="-171450">
+              <a:buFontTx/>
+              <a:buChar char="-"/>
+            </a:pPr>
+            <a:r>
+              <a:rPr lang="en-US" b="0" i="0" dirty="0">
                 <a:solidFill>
-                  <a:srgbClr val="000000"/>
+                  <a:srgbClr val="24292E"/>
                 </a:solidFill>
                 <a:effectLst/>
-                <a:latin typeface="Consolas" panose="020B0609020204030204" pitchFamily="49" charset="0"/>
+                <a:latin typeface="-apple-system"/>
               </a:rPr>
-              <a:t>- We have </a:t>
-            </a:r>
-            <a:r>
-              <a:rPr lang="en-US" sz="4800" b="0" dirty="0">
+              <a:t>Azure App Service is the best solution for running ASP.NET web apps on Azure. </a:t>
+            </a:r>
+            <a:r>
+              <a:rPr lang="en-US" b="1" i="0" dirty="0">
                 <a:solidFill>
-                  <a:srgbClr val="A31515"/>
+                  <a:srgbClr val="24292E"/>
                 </a:solidFill>
                 <a:effectLst/>
-                <a:latin typeface="Consolas" panose="020B0609020204030204" pitchFamily="49" charset="0"/>
+                <a:latin typeface="-apple-system"/>
               </a:rPr>
-              <a:t>[The .NET Portability Analyzer]</a:t>
-            </a:r>
-            <a:r>
-              <a:rPr lang="en-US" sz="4800" b="0" dirty="0">
+              <a:t>The App Service Migration Assistant</a:t>
+            </a:r>
+            <a:r>
+              <a:rPr lang="en-US" b="0" i="0" dirty="0">
                 <a:solidFill>
-                  <a:srgbClr val="222222"/>
+                  <a:srgbClr val="24292E"/>
                 </a:solidFill>
                 <a:effectLst/>
-                <a:latin typeface="Consolas" panose="020B0609020204030204" pitchFamily="49" charset="0"/>
+                <a:latin typeface="-apple-system"/>
               </a:rPr>
-              <a:t>(</a:t>
-            </a:r>
-            <a:r>
-              <a:rPr lang="en-US" sz="4800" b="0" u="sng" dirty="0">
+              <a:t> can be used to assess whether their apps have dependencies on unsupported features on Azure App Service. App Service Migration Assistant can run readiness checks and get potential remediation steps for common issues. The assistant provides step-by-step guidance for moving a web app to App Service. Parts Unlimited can use Azure Migrate to consolidate all assessment and migration projects.</a:t>
+            </a:r>
+          </a:p>
+          <a:p>
+            <a:pPr marL="171450" indent="-171450">
+              <a:buFontTx/>
+              <a:buChar char="-"/>
+            </a:pPr>
+            <a:r>
+              <a:rPr lang="en-US" b="0" i="0" dirty="0">
                 <a:solidFill>
-                  <a:srgbClr val="000000"/>
+                  <a:srgbClr val="24292E"/>
                 </a:solidFill>
                 <a:effectLst/>
-                <a:latin typeface="Consolas" panose="020B0609020204030204" pitchFamily="49" charset="0"/>
+                <a:latin typeface="-apple-system"/>
               </a:rPr>
-              <a:t>https://docs.microsoft.com/en-us/dotnet/standard/analyzers/portability-analyzer</a:t>
-            </a:r>
-            <a:r>
-              <a:rPr lang="en-US" sz="4800" b="0" dirty="0">
+              <a:t>The database migration should be handled using the </a:t>
+            </a:r>
+            <a:r>
+              <a:rPr lang="en-US" b="1" i="0" u="none" strike="noStrike" dirty="0">
+                <a:effectLst/>
+                <a:latin typeface="-apple-system"/>
+                <a:hlinkClick r:id="rId3"/>
+              </a:rPr>
+              <a:t>Azure Database Migration Service's</a:t>
+            </a:r>
+            <a:r>
+              <a:rPr lang="en-US" b="1" i="0" dirty="0">
                 <a:solidFill>
-                  <a:srgbClr val="222222"/>
+                  <a:srgbClr val="24292E"/>
                 </a:solidFill>
                 <a:effectLst/>
-                <a:latin typeface="Consolas" panose="020B0609020204030204" pitchFamily="49" charset="0"/>
+                <a:latin typeface="-apple-system"/>
               </a:rPr>
-              <a:t>)</a:t>
-            </a:r>
-            <a:r>
-              <a:rPr lang="en-US" sz="4800" b="0" dirty="0">
+              <a:t> (DMS)</a:t>
+            </a:r>
+            <a:r>
+              <a:rPr lang="en-US" b="0" i="0" dirty="0">
                 <a:solidFill>
-                  <a:srgbClr val="000000"/>
+                  <a:srgbClr val="24292E"/>
                 </a:solidFill>
                 <a:effectLst/>
-                <a:latin typeface="Consolas" panose="020B0609020204030204" pitchFamily="49" charset="0"/>
+                <a:latin typeface="-apple-system"/>
               </a:rPr>
-              <a:t> that can be used to assess how much work is required for a migration. We know projects that can migrate with a single configuration change and others who had to do some work based on the application's complexity and code dependencies. The .NET Portability Analyzer can give you a good idea of how much effort is required to migrate to a newer version including an assessment of all your code dependencies. </a:t>
-            </a:r>
-          </a:p>
-          <a:p>
-            <a:r>
-              <a:rPr lang="en-US" sz="4800" b="0" dirty="0">
-                <a:solidFill>
-                  <a:srgbClr val="000000"/>
-                </a:solidFill>
-                <a:effectLst/>
-                <a:latin typeface="Consolas" panose="020B0609020204030204" pitchFamily="49" charset="0"/>
-              </a:rPr>
-              <a:t>- When a .NET Core version is </a:t>
-            </a:r>
-            <a:r>
-              <a:rPr lang="en-US" sz="4800" b="0" dirty="0" err="1">
-                <a:solidFill>
-                  <a:srgbClr val="000000"/>
-                </a:solidFill>
-                <a:effectLst/>
-                <a:latin typeface="Consolas" panose="020B0609020204030204" pitchFamily="49" charset="0"/>
-              </a:rPr>
-              <a:t>EoL</a:t>
-            </a:r>
-            <a:r>
-              <a:rPr lang="en-US" sz="4800" b="0" dirty="0">
-                <a:solidFill>
-                  <a:srgbClr val="000000"/>
-                </a:solidFill>
-                <a:effectLst/>
-                <a:latin typeface="Consolas" panose="020B0609020204030204" pitchFamily="49" charset="0"/>
-              </a:rPr>
-              <a:t> (End-of-life), does that mean we cannot host our solution in Azure?</a:t>
-            </a:r>
-          </a:p>
-          <a:p>
-            <a:r>
-              <a:rPr lang="en-US" sz="4800" b="0" dirty="0">
-                <a:solidFill>
-                  <a:srgbClr val="000000"/>
-                </a:solidFill>
-                <a:effectLst/>
-                <a:latin typeface="Consolas" panose="020B0609020204030204" pitchFamily="49" charset="0"/>
-              </a:rPr>
-              <a:t>- After the End-Of-Lime time, .NET Core patch updates will no longer be available for .NET Core 2.2. Your application will still run. .NET Core 2.2 was released as a non-LTS (Long Term Support) release. A non-LTS ("Current") release is supported for three months after the next release. For hosting applications that you do not intend to update often, we suggest LTS releases. LTS releases include features and components that have been stabilized, requiring few updates over a longer support release lifetime. The supported upgrade path from .NET Core 2.2 is via .NET Core 3.1. .NET Core 3.1 is released December 3, 2019, as a long-term support release.</a:t>
-            </a:r>
-          </a:p>
-          <a:p>
-            <a:r>
-              <a:rPr lang="en-US" sz="4800" b="0" dirty="0">
-                <a:solidFill>
-                  <a:srgbClr val="000000"/>
-                </a:solidFill>
-                <a:effectLst/>
-                <a:latin typeface="Consolas" panose="020B0609020204030204" pitchFamily="49" charset="0"/>
-              </a:rPr>
-              <a:t>- Both offerings are alive and well. We are happy to offer different options to our customers. You can use both </a:t>
-            </a:r>
-            <a:r>
-              <a:rPr lang="en-US" sz="4800" b="0" dirty="0" err="1">
-                <a:solidFill>
-                  <a:srgbClr val="000000"/>
-                </a:solidFill>
-                <a:effectLst/>
-                <a:latin typeface="Consolas" panose="020B0609020204030204" pitchFamily="49" charset="0"/>
-              </a:rPr>
-              <a:t>Github</a:t>
-            </a:r>
-            <a:r>
-              <a:rPr lang="en-US" sz="4800" b="0" dirty="0">
-                <a:solidFill>
-                  <a:srgbClr val="000000"/>
-                </a:solidFill>
-                <a:effectLst/>
-                <a:latin typeface="Consolas" panose="020B0609020204030204" pitchFamily="49" charset="0"/>
-              </a:rPr>
-              <a:t> and Azure DevOps with your Azure environment.  </a:t>
-            </a:r>
-          </a:p>
-          <a:p>
-            <a:r>
-              <a:rPr lang="en-US" sz="4800" b="0" dirty="0">
-                <a:solidFill>
-                  <a:srgbClr val="000000"/>
-                </a:solidFill>
-                <a:effectLst/>
-                <a:latin typeface="Consolas" panose="020B0609020204030204" pitchFamily="49" charset="0"/>
-              </a:rPr>
-              <a:t>- Azure is an open cloud that offers multiple choices. We suggest App Service if you have a single or a few back-end services in an N-Tier architecture. Azure Kubernetes Services is a better fit for Cloud-Native (Microservices) design.</a:t>
-            </a:r>
-          </a:p>
-          <a:p>
-            <a:r>
-              <a:rPr lang="en-US" sz="4800" b="0" dirty="0">
-                <a:solidFill>
-                  <a:srgbClr val="000000"/>
-                </a:solidFill>
-                <a:effectLst/>
-                <a:latin typeface="Consolas" panose="020B0609020204030204" pitchFamily="49" charset="0"/>
-              </a:rPr>
-              <a:t>- Azure has 60+ regions, more than any other cloud provider. Our physical infrastructure comprises 160+ physical datacenters arranged into regions and linked by one of the world's largest interconnected networks. We have services such as Azure Traffic Manager for DNS-based traffic load balancing, Azure Front Door, a global, scalable entry-point that uses the Microsoft global edge network to create fast, secure, and widely scalable web applications, and Azure CosmosDB, a globally-distributed planet-scale database service. All these services are ready for implementation and used by millions of customers every day. We would be more than happy to help Parts Unlimited scale its operations globally.</a:t>
+              <a:t> that is part of Azure Migrate. DMS is a fully managed service designed to enable seamless migrations from multiple database sources to Azure Data platforms with minimal downtime. It provides customers with a comprehensive, highly available migration solution. The service uses the Data Migration Assistant to generate assessment reports that provide recommendations to guide you through the changes required before performing a migration. When you're ready to begin the migration process, the Azure Database Migration Service executes all of the steps necessary, following best practices as determined by Microsoft.</a:t>
+            </a:r>
+          </a:p>
+          <a:p>
+            <a:pPr marL="171450" indent="-171450">
+              <a:buFontTx/>
+              <a:buChar char="-"/>
+            </a:pPr>
+            <a:r>
+              <a:rPr lang="en-US" b="1" dirty="0"/>
+              <a:t>The Data Migration Assistant (DMA) </a:t>
+            </a:r>
+            <a:r>
+              <a:rPr lang="en-US" dirty="0"/>
+              <a:t>enables you to upgrade to a modern data platform by detecting compatibility and feature parity issues that can impact an upgrade or migration to your target version of SQL Server or Azure SQL Database. DMA also provides recommendations on performance and reliability improvements you can make once your databases have been migrated to your target environment. It allows you to move your schema, data, and uncontained objects (SQL Agent jobs, SSIS packages, roles, users, and logins) from your source server to your target server.</a:t>
+            </a:r>
+          </a:p>
+          <a:p>
+            <a:pPr marL="171450" indent="-171450">
+              <a:buFontTx/>
+              <a:buChar char="-"/>
+            </a:pPr>
+            <a:r>
+              <a:rPr lang="en-US" b="1" dirty="0"/>
+              <a:t>The Database Experimentation Assistant (DEA) </a:t>
+            </a:r>
+            <a:r>
+              <a:rPr lang="en-US" dirty="0"/>
+              <a:t>is an </a:t>
+            </a:r>
+            <a:r>
+              <a:rPr lang="en-US" b="1" dirty="0"/>
+              <a:t>A/B testing </a:t>
+            </a:r>
+            <a:r>
+              <a:rPr lang="en-US" dirty="0"/>
+              <a:t>solution for SQL Server upgrades. It assists in evaluating specific workloads against a targeted version of SQL Server or SQL Database. DEA is not a migration tool but can be used to help determine the appropriate target version of SQL Server or SQL Database for migrations.</a:t>
+            </a:r>
+          </a:p>
+          <a:p>
+            <a:pPr marL="171450" indent="-171450">
+              <a:buFontTx/>
+              <a:buChar char="-"/>
+            </a:pPr>
+            <a:r>
+              <a:rPr lang="en-US" dirty="0"/>
+              <a:t>The App Service Migration Assistant indicates no issues for Parts Unlimited to move to Azure. However, it is strongly suggested to move to a supported version post-migration</a:t>
+            </a:r>
+            <a:r>
+              <a:rPr lang="en-US" b="1" dirty="0"/>
+              <a:t>. The .NET Portability Analyzer </a:t>
+            </a:r>
+            <a:r>
+              <a:rPr lang="en-US" dirty="0"/>
+              <a:t>can be used to assess how much work is required for a migration.</a:t>
             </a:r>
           </a:p>
         </p:txBody>
@@ -1382,7 +1358,7 @@
             <a:spLocks noGrp="1"/>
           </p:cNvSpPr>
           <p:nvPr>
-            <p:ph type="sldNum" sz="quarter" idx="10"/>
+            <p:ph type="sldNum" sz="quarter" idx="5"/>
           </p:nvPr>
         </p:nvSpPr>
         <p:spPr/>
@@ -1401,7 +1377,7 @@
     </p:spTree>
     <p:extLst>
       <p:ext uri="{BB962C8B-B14F-4D97-AF65-F5344CB8AC3E}">
-        <p14:creationId xmlns:p14="http://schemas.microsoft.com/office/powerpoint/2010/main" val="4186038490"/>
+        <p14:creationId xmlns:p14="http://schemas.microsoft.com/office/powerpoint/2010/main" val="1368288937"/>
       </p:ext>
     </p:extLst>
   </p:cSld>
@@ -1455,6 +1431,88 @@
           <a:bodyPr/>
           <a:lstStyle/>
           <a:p>
+            <a:r>
+              <a:rPr lang="en-US" b="0" i="0" dirty="0">
+                <a:solidFill>
+                  <a:srgbClr val="171717"/>
+                </a:solidFill>
+                <a:effectLst/>
+                <a:latin typeface="Segoe UI" panose="020B0502040204020203" pitchFamily="34" charset="0"/>
+              </a:rPr>
+              <a:t>The </a:t>
+            </a:r>
+            <a:r>
+              <a:rPr lang="en-US" b="0" i="0" u="none" strike="noStrike" dirty="0">
+                <a:effectLst/>
+                <a:latin typeface="Segoe UI" panose="020B0502040204020203" pitchFamily="34" charset="0"/>
+                <a:hlinkClick r:id="rId3"/>
+              </a:rPr>
+              <a:t>.NET Portability Analyzer</a:t>
+            </a:r>
+            <a:r>
+              <a:rPr lang="en-US" b="0" i="0" dirty="0">
+                <a:solidFill>
+                  <a:srgbClr val="171717"/>
+                </a:solidFill>
+                <a:effectLst/>
+                <a:latin typeface="Segoe UI" panose="020B0502040204020203" pitchFamily="34" charset="0"/>
+              </a:rPr>
+              <a:t> is a tool that analyzes assemblies and provides a detailed report on .NET APIs that are missing for the applications or libraries to be portable on your specified targeted .NET platforms. The Portability Analyzer is offered as a </a:t>
+            </a:r>
+            <a:r>
+              <a:rPr lang="en-US" b="0" i="0" u="none" strike="noStrike" dirty="0">
+                <a:effectLst/>
+                <a:latin typeface="Segoe UI" panose="020B0502040204020203" pitchFamily="34" charset="0"/>
+                <a:hlinkClick r:id="rId4"/>
+              </a:rPr>
+              <a:t>Visual Studio Extension</a:t>
+            </a:r>
+            <a:r>
+              <a:rPr lang="en-US" b="0" i="0" dirty="0">
+                <a:solidFill>
+                  <a:srgbClr val="171717"/>
+                </a:solidFill>
+                <a:effectLst/>
+                <a:latin typeface="Segoe UI" panose="020B0502040204020203" pitchFamily="34" charset="0"/>
+              </a:rPr>
+              <a:t>, which analyzes one assembly per project, and as a </a:t>
+            </a:r>
+            <a:r>
+              <a:rPr lang="en-US" b="0" i="0" u="none" strike="noStrike" dirty="0" err="1">
+                <a:effectLst/>
+                <a:latin typeface="Segoe UI" panose="020B0502040204020203" pitchFamily="34" charset="0"/>
+                <a:hlinkClick r:id="rId5"/>
+              </a:rPr>
+              <a:t>ApiPort</a:t>
+            </a:r>
+            <a:r>
+              <a:rPr lang="en-US" b="0" i="0" u="none" strike="noStrike" dirty="0">
+                <a:effectLst/>
+                <a:latin typeface="Segoe UI" panose="020B0502040204020203" pitchFamily="34" charset="0"/>
+                <a:hlinkClick r:id="rId5"/>
+              </a:rPr>
+              <a:t> console app</a:t>
+            </a:r>
+            <a:r>
+              <a:rPr lang="en-US" b="0" i="0" dirty="0">
+                <a:solidFill>
+                  <a:srgbClr val="171717"/>
+                </a:solidFill>
+                <a:effectLst/>
+                <a:latin typeface="Segoe UI" panose="020B0502040204020203" pitchFamily="34" charset="0"/>
+              </a:rPr>
+              <a:t>, which analyzes assemblies by specified files or directory. </a:t>
+            </a:r>
+            <a:r>
+              <a:rPr lang="en-US" b="0" i="0" dirty="0">
+                <a:solidFill>
+                  <a:srgbClr val="24292E"/>
+                </a:solidFill>
+                <a:effectLst/>
+                <a:latin typeface="-apple-system"/>
+              </a:rPr>
+              <a:t>Here you see a DGML file showing dependencies in Parts Unlimited web application.</a:t>
+            </a:r>
             <a:endParaRPr lang="en-US" dirty="0"/>
           </a:p>
         </p:txBody>
@@ -1466,7 +1524,7 @@
             <a:spLocks noGrp="1"/>
           </p:cNvSpPr>
           <p:nvPr>
-            <p:ph type="sldNum" sz="quarter" idx="10"/>
+            <p:ph type="sldNum" sz="quarter" idx="5"/>
           </p:nvPr>
         </p:nvSpPr>
         <p:spPr/>
@@ -1485,7 +1543,7 @@
     </p:spTree>
     <p:extLst>
       <p:ext uri="{BB962C8B-B14F-4D97-AF65-F5344CB8AC3E}">
-        <p14:creationId xmlns:p14="http://schemas.microsoft.com/office/powerpoint/2010/main" val="671285550"/>
+        <p14:creationId xmlns:p14="http://schemas.microsoft.com/office/powerpoint/2010/main" val="2693546900"/>
       </p:ext>
     </p:extLst>
   </p:cSld>
@@ -1522,12 +1580,7 @@
             <p:ph type="sldImg"/>
           </p:nvPr>
         </p:nvSpPr>
-        <p:spPr>
-          <a:xfrm>
-            <a:off x="381000" y="685800"/>
-            <a:ext cx="6096000" cy="3429000"/>
-          </a:xfrm>
-        </p:spPr>
+        <p:spPr/>
       </p:sp>
       <p:sp>
         <p:nvSpPr>
@@ -1541,54 +1594,166 @@
         </p:nvSpPr>
         <p:spPr/>
         <p:txBody>
-          <a:bodyPr>
-            <a:normAutofit/>
-          </a:bodyPr>
+          <a:bodyPr/>
           <a:lstStyle/>
           <a:p>
-            <a:endParaRPr lang="en-US" dirty="0"/>
+            <a:pPr marL="171450" indent="-171450">
+              <a:buFont typeface="Arial" panose="020B0604020202020204" pitchFamily="34" charset="0"/>
+              <a:buChar char="•"/>
+            </a:pPr>
+            <a:r>
+              <a:rPr lang="en-US" b="0" i="0" dirty="0">
+                <a:solidFill>
+                  <a:srgbClr val="24292E"/>
+                </a:solidFill>
+                <a:effectLst/>
+                <a:latin typeface="-apple-system"/>
+              </a:rPr>
+              <a:t>Azure Functions can be used to develop a solution that can ingest order jobs from an </a:t>
+            </a:r>
+            <a:r>
+              <a:rPr lang="en-US" b="1" i="0" dirty="0">
+                <a:solidFill>
+                  <a:srgbClr val="24292E"/>
+                </a:solidFill>
+                <a:effectLst/>
+                <a:latin typeface="-apple-system"/>
+              </a:rPr>
+              <a:t>Azure Storage Queue </a:t>
+            </a:r>
+            <a:r>
+              <a:rPr lang="en-US" b="0" i="0" dirty="0">
+                <a:solidFill>
+                  <a:srgbClr val="24292E"/>
+                </a:solidFill>
+                <a:effectLst/>
+                <a:latin typeface="-apple-system"/>
+              </a:rPr>
+              <a:t>and process orders at scale. The only code change required on the web application would relate to adding jobs into the queue. </a:t>
+            </a:r>
+            <a:r>
+              <a:rPr lang="en-US" b="1" i="0" dirty="0">
+                <a:solidFill>
+                  <a:srgbClr val="24292E"/>
+                </a:solidFill>
+                <a:effectLst/>
+                <a:latin typeface="-apple-system"/>
+              </a:rPr>
+              <a:t>Azure Functions consumption plan </a:t>
+            </a:r>
+            <a:r>
+              <a:rPr lang="en-US" b="0" i="0" dirty="0">
+                <a:solidFill>
+                  <a:srgbClr val="24292E"/>
+                </a:solidFill>
+                <a:effectLst/>
+                <a:latin typeface="-apple-system"/>
+              </a:rPr>
+              <a:t>provides instances of the Functions host that are dynamically added and removed based on incoming events. The consumption plan is aligned with Parts </a:t>
+            </a:r>
+            <a:r>
+              <a:rPr lang="en-US" b="0" i="0" dirty="0" err="1">
+                <a:solidFill>
+                  <a:srgbClr val="24292E"/>
+                </a:solidFill>
+                <a:effectLst/>
+                <a:latin typeface="-apple-system"/>
+              </a:rPr>
+              <a:t>Unlimited's</a:t>
+            </a:r>
+            <a:r>
+              <a:rPr lang="en-US" b="0" i="0" dirty="0">
+                <a:solidFill>
+                  <a:srgbClr val="24292E"/>
+                </a:solidFill>
+                <a:effectLst/>
+                <a:latin typeface="-apple-system"/>
+              </a:rPr>
+              <a:t> requirements. Parts Unlimited pays only when the functions are running, and the platform scales automatically, even during periods of high load. For PDF generation Function will be using headless Chromium that only works on Linux. Parts Unlimited can deploy their function to </a:t>
+            </a:r>
+            <a:r>
+              <a:rPr lang="en-US" b="1" i="0" dirty="0">
+                <a:solidFill>
+                  <a:srgbClr val="24292E"/>
+                </a:solidFill>
+                <a:effectLst/>
+                <a:latin typeface="-apple-system"/>
+              </a:rPr>
+              <a:t>Linux Consumption Plans </a:t>
+            </a:r>
+            <a:r>
+              <a:rPr lang="en-US" b="0" i="0" dirty="0">
+                <a:solidFill>
+                  <a:srgbClr val="24292E"/>
+                </a:solidFill>
+                <a:effectLst/>
+                <a:latin typeface="-apple-system"/>
+              </a:rPr>
+              <a:t>to make their solution work.</a:t>
+            </a:r>
+          </a:p>
+          <a:p>
+            <a:pPr marL="171450" indent="-171450">
+              <a:buFont typeface="Arial" panose="020B0604020202020204" pitchFamily="34" charset="0"/>
+              <a:buChar char="•"/>
+            </a:pPr>
+            <a:r>
+              <a:rPr lang="en-US" dirty="0"/>
+              <a:t>Application Insights, </a:t>
+            </a:r>
+            <a:r>
+              <a:rPr lang="en-US" b="1" dirty="0"/>
+              <a:t>a feature of Azure Monitor</a:t>
+            </a:r>
+            <a:r>
+              <a:rPr lang="en-US" dirty="0"/>
+              <a:t>, is an extensible </a:t>
+            </a:r>
+            <a:r>
+              <a:rPr lang="en-US" b="1" dirty="0"/>
+              <a:t>Application Performance Management (APM</a:t>
+            </a:r>
+            <a:r>
+              <a:rPr lang="en-US" dirty="0"/>
+              <a:t>) service for developers and DevOps professionals. Parts Unlimited can use it to monitor their e-commerce application live. Application Insights will automatically </a:t>
+            </a:r>
+            <a:r>
+              <a:rPr lang="en-US" b="1" dirty="0"/>
+              <a:t>detect performance anomalies </a:t>
+            </a:r>
+            <a:r>
+              <a:rPr lang="en-US" dirty="0"/>
+              <a:t>and include powerful analytics tools to help developers diagnose issues and understand what users actually do with their app. It's designed to help developers continuously improve performance and usability. </a:t>
+            </a:r>
+          </a:p>
+          <a:p>
+            <a:pPr marL="171450" indent="-171450">
+              <a:buFont typeface="Arial" panose="020B0604020202020204" pitchFamily="34" charset="0"/>
+              <a:buChar char="•"/>
+            </a:pPr>
+            <a:r>
+              <a:rPr lang="en-US" dirty="0"/>
+              <a:t>Serverless is a compute tier for single databases in Azure SQL Database that automatically scales compute based on workload demand and bills for the amount of compute used per second. The </a:t>
+            </a:r>
+            <a:r>
+              <a:rPr lang="en-US" b="1" dirty="0"/>
+              <a:t>serverless compute tier </a:t>
+            </a:r>
+            <a:r>
+              <a:rPr lang="en-US" dirty="0"/>
+              <a:t>also automatically pauses databases during inactive periods when only storage is billed and automatically resumes databases when activity returns. The serverless compute tier for single databases in Azure SQL Database is parameterized by a compute autoscaling range and an auto-pause delay. The configuration of these parameters shapes the database performance experience and compute cost.</a:t>
+            </a:r>
           </a:p>
         </p:txBody>
       </p:sp>
       <p:sp>
         <p:nvSpPr>
-          <p:cNvPr id="4" name="Header Placeholder 3"/>
+          <p:cNvPr id="4" name="Slide Number Placeholder 3"/>
           <p:cNvSpPr>
             <a:spLocks noGrp="1"/>
           </p:cNvSpPr>
           <p:nvPr>
-            <p:ph type="hdr" sz="quarter" idx="10"/>
-          </p:nvPr>
-        </p:nvSpPr>
-        <p:spPr>
-          <a:xfrm>
-            <a:off x="0" y="0"/>
-            <a:ext cx="2971800" cy="457200"/>
-          </a:xfrm>
-          <a:prstGeom prst="rect">
-            <a:avLst/>
-          </a:prstGeom>
-        </p:spPr>
-        <p:txBody>
-          <a:bodyPr/>
-          <a:lstStyle/>
-          <a:p>
-            <a:endParaRPr lang="en-US" dirty="0">
-              <a:solidFill>
-                <a:prstClr val="black"/>
-              </a:solidFill>
-            </a:endParaRPr>
-          </a:p>
-        </p:txBody>
-      </p:sp>
-      <p:sp>
-        <p:nvSpPr>
-          <p:cNvPr id="5" name="Date Placeholder 4"/>
-          <p:cNvSpPr>
-            <a:spLocks noGrp="1"/>
-          </p:cNvSpPr>
-          <p:nvPr>
-            <p:ph type="dt" idx="11"/>
+            <p:ph type="sldNum" sz="quarter" idx="5"/>
           </p:nvPr>
         </p:nvSpPr>
         <p:spPr/>
@@ -1596,30 +1761,64 @@
           <a:bodyPr/>
           <a:lstStyle/>
           <a:p>
-            <a:fld id="{8AB9A6D4-FB34-4BDB-BA1E-7271914431FC}" type="datetime8">
-              <a:rPr lang="en-US" smtClean="0">
-                <a:solidFill>
-                  <a:prstClr val="black"/>
-                </a:solidFill>
-              </a:rPr>
-              <a:t>2021-02-16 4:17 PM</a:t>
+            <a:fld id="{0998D5BB-B127-481F-BC0A-2F77C576BB34}" type="slidenum">
+              <a:rPr lang="en-US" smtClean="0"/>
+              <a:t>16</a:t>
             </a:fld>
-            <a:endParaRPr lang="en-US" dirty="0">
-              <a:solidFill>
-                <a:prstClr val="black"/>
-              </a:solidFill>
-            </a:endParaRPr>
+            <a:endParaRPr lang="en-US" dirty="0"/>
           </a:p>
         </p:txBody>
+      </p:sp>
+    </p:spTree>
+    <p:extLst>
+      <p:ext uri="{BB962C8B-B14F-4D97-AF65-F5344CB8AC3E}">
+        <p14:creationId xmlns:p14="http://schemas.microsoft.com/office/powerpoint/2010/main" val="1941804589"/>
+      </p:ext>
+    </p:extLst>
+  </p:cSld>
+  <p:clrMapOvr>
+    <a:masterClrMapping/>
+  </p:clrMapOvr>
+</p:notes>
+</file>
+
+<file path=ppt/notesSlides/notesSlide17.xml><?xml version="1.0" encoding="utf-8"?>
+<p:notes xmlns:a="http://schemas.openxmlformats.org/drawingml/2006/main" xmlns:r="http://schemas.openxmlformats.org/officeDocument/2006/relationships" xmlns:p="http://schemas.openxmlformats.org/presentationml/2006/main">
+  <p:cSld>
+    <p:spTree>
+      <p:nvGrpSpPr>
+        <p:cNvPr id="1" name=""/>
+        <p:cNvGrpSpPr/>
+        <p:nvPr/>
+      </p:nvGrpSpPr>
+      <p:grpSpPr>
+        <a:xfrm>
+          <a:off x="0" y="0"/>
+          <a:ext cx="0" cy="0"/>
+          <a:chOff x="0" y="0"/>
+          <a:chExt cx="0" cy="0"/>
+        </a:xfrm>
+      </p:grpSpPr>
+      <p:sp>
+        <p:nvSpPr>
+          <p:cNvPr id="2" name="Slide Image Placeholder 1"/>
+          <p:cNvSpPr>
+            <a:spLocks noGrp="1" noRot="1" noChangeAspect="1"/>
+          </p:cNvSpPr>
+          <p:nvPr>
+            <p:ph type="sldImg"/>
+          </p:nvPr>
+        </p:nvSpPr>
+        <p:spPr/>
       </p:sp>
       <p:sp>
         <p:nvSpPr>
-          <p:cNvPr id="7" name="Slide Number Placeholder 6"/>
+          <p:cNvPr id="3" name="Notes Placeholder 2"/>
           <p:cNvSpPr>
             <a:spLocks noGrp="1"/>
           </p:cNvSpPr>
           <p:nvPr>
-            <p:ph type="sldNum" sz="quarter" idx="13"/>
+            <p:ph type="body" idx="1"/>
           </p:nvPr>
         </p:nvSpPr>
         <p:spPr/>
@@ -1627,31 +1826,98 @@
           <a:bodyPr/>
           <a:lstStyle/>
           <a:p>
-            <a:fld id="{EC87E0CF-87F6-4B58-B8B8-DCAB2DAAF3CA}" type="slidenum">
-              <a:rPr lang="en-US" smtClean="0">
+            <a:pPr marL="171450" indent="-171450">
+              <a:buFont typeface="Arial" panose="020B0604020202020204" pitchFamily="34" charset="0"/>
+              <a:buChar char="•"/>
+            </a:pPr>
+            <a:r>
+              <a:rPr lang="en-US" b="0" i="0" dirty="0">
                 <a:solidFill>
-                  <a:prstClr val="black"/>
+                  <a:srgbClr val="24292E"/>
                 </a:solidFill>
+                <a:effectLst/>
+                <a:latin typeface="-apple-system"/>
               </a:rPr>
-              <a:pPr/>
-              <a:t>16</a:t>
-            </a:fld>
-            <a:endParaRPr lang="en-US" dirty="0">
-              <a:solidFill>
-                <a:prstClr val="black"/>
-              </a:solidFill>
-            </a:endParaRPr>
+              <a:t>When you deploy your web app to Azure App Service, you can use a separate deployment slot instead of the default production slot. </a:t>
+            </a:r>
+            <a:r>
+              <a:rPr lang="en-US" b="1" i="0" dirty="0">
+                <a:solidFill>
+                  <a:srgbClr val="24292E"/>
+                </a:solidFill>
+                <a:effectLst/>
+                <a:latin typeface="-apple-system"/>
+              </a:rPr>
+              <a:t>Deployment slots </a:t>
+            </a:r>
+            <a:r>
+              <a:rPr lang="en-US" b="0" i="0" dirty="0">
+                <a:solidFill>
+                  <a:srgbClr val="24292E"/>
+                </a:solidFill>
+                <a:effectLst/>
+                <a:latin typeface="-apple-system"/>
+              </a:rPr>
+              <a:t>are live apps with their hostnames. App content and configuration elements can be swapped between two deployment slots, including the production slot. Deploying your application to a non-production slot helps you validate app changes in a staging deployment slot before swapping it with the production slot. After a swap, the slot with the previously staged app now has the previous production app. If the changes swapped into the production slot aren't as you expect, you can immediately perform the same swap to get your "last known good site" back.</a:t>
+            </a:r>
+          </a:p>
+          <a:p>
+            <a:pPr marL="171450" indent="-171450">
+              <a:buFont typeface="Arial" panose="020B0604020202020204" pitchFamily="34" charset="0"/>
+              <a:buChar char="•"/>
+            </a:pPr>
+            <a:r>
+              <a:rPr lang="en-US" b="1" i="0" dirty="0">
+                <a:solidFill>
+                  <a:srgbClr val="24292E"/>
+                </a:solidFill>
+                <a:effectLst/>
+                <a:latin typeface="-apple-system"/>
+              </a:rPr>
+              <a:t>GitHub Actions </a:t>
+            </a:r>
+            <a:r>
+              <a:rPr lang="en-US" b="0" i="0" dirty="0">
+                <a:solidFill>
+                  <a:srgbClr val="24292E"/>
+                </a:solidFill>
+                <a:effectLst/>
+                <a:latin typeface="-apple-system"/>
+              </a:rPr>
+              <a:t>is an excellent place to automate, customize, and execute your software development workflows right in your repository with. Developers can build, test, and deploy their code right from GitHub. App Service comes with a Deployment Center functionality that streamlines GitHub integration. Parts Unlimited can use the </a:t>
+            </a:r>
+            <a:r>
+              <a:rPr lang="en-US" b="1" i="0" dirty="0">
+                <a:solidFill>
+                  <a:srgbClr val="24292E"/>
+                </a:solidFill>
+                <a:effectLst/>
+                <a:latin typeface="-apple-system"/>
+              </a:rPr>
+              <a:t>Deployment Center </a:t>
+            </a:r>
+            <a:r>
+              <a:rPr lang="en-US" b="0" i="0" dirty="0">
+                <a:solidFill>
+                  <a:srgbClr val="24292E"/>
+                </a:solidFill>
+                <a:effectLst/>
+                <a:latin typeface="-apple-system"/>
+              </a:rPr>
+              <a:t>to create a CI/CD pipeline targeting a staging App Service Deployment Slot.</a:t>
+            </a:r>
+            <a:endParaRPr lang="en-US" dirty="0"/>
           </a:p>
         </p:txBody>
       </p:sp>
       <p:sp>
         <p:nvSpPr>
-          <p:cNvPr id="6" name="Footer Placeholder 5"/>
+          <p:cNvPr id="4" name="Slide Number Placeholder 3"/>
           <p:cNvSpPr>
             <a:spLocks noGrp="1"/>
           </p:cNvSpPr>
           <p:nvPr>
-            <p:ph type="ftr" sz="quarter" idx="14"/>
+            <p:ph type="sldNum" sz="quarter" idx="5"/>
           </p:nvPr>
         </p:nvSpPr>
         <p:spPr/>
@@ -1659,33 +1925,313 @@
           <a:bodyPr/>
           <a:lstStyle/>
           <a:p>
-            <a:pPr defTabSz="914099" eaLnBrk="0" hangingPunct="0"/>
-            <a:r>
-              <a:rPr lang="en-US" sz="400" dirty="0">
-                <a:gradFill>
-                  <a:gsLst>
-                    <a:gs pos="0">
-                      <a:prstClr val="black"/>
-                    </a:gs>
-                    <a:gs pos="100000">
-                      <a:prstClr val="black"/>
-                    </a:gs>
-                  </a:gsLst>
-                  <a:lin ang="5400000" scaled="0"/>
-                </a:gradFill>
-                <a:latin typeface="Segoe UI" pitchFamily="34" charset="0"/>
-                <a:ea typeface="Segoe UI" pitchFamily="34" charset="0"/>
-                <a:cs typeface="Segoe UI" pitchFamily="34" charset="0"/>
-              </a:rPr>
-              <a:t>© Microsoft Corporation. All rights reserved. MICROSOFT MAKES NO WARRANTIES, EXPRESS, IMPLIED OR STATUTORY, AS TO THE INFORMATION IN THIS PRESENTATION.</a:t>
-            </a:r>
+            <a:fld id="{0998D5BB-B127-481F-BC0A-2F77C576BB34}" type="slidenum">
+              <a:rPr lang="en-US" smtClean="0"/>
+              <a:t>17</a:t>
+            </a:fld>
+            <a:endParaRPr lang="en-US" dirty="0"/>
           </a:p>
         </p:txBody>
       </p:sp>
     </p:spTree>
     <p:extLst>
       <p:ext uri="{BB962C8B-B14F-4D97-AF65-F5344CB8AC3E}">
-        <p14:creationId xmlns:p14="http://schemas.microsoft.com/office/powerpoint/2010/main" val="4011344012"/>
+        <p14:creationId xmlns:p14="http://schemas.microsoft.com/office/powerpoint/2010/main" val="3490792990"/>
+      </p:ext>
+    </p:extLst>
+  </p:cSld>
+  <p:clrMapOvr>
+    <a:masterClrMapping/>
+  </p:clrMapOvr>
+</p:notes>
+</file>
+
+<file path=ppt/notesSlides/notesSlide18.xml><?xml version="1.0" encoding="utf-8"?>
+<p:notes xmlns:a="http://schemas.openxmlformats.org/drawingml/2006/main" xmlns:r="http://schemas.openxmlformats.org/officeDocument/2006/relationships" xmlns:p="http://schemas.openxmlformats.org/presentationml/2006/main">
+  <p:cSld>
+    <p:spTree>
+      <p:nvGrpSpPr>
+        <p:cNvPr id="1" name=""/>
+        <p:cNvGrpSpPr/>
+        <p:nvPr/>
+      </p:nvGrpSpPr>
+      <p:grpSpPr>
+        <a:xfrm>
+          <a:off x="0" y="0"/>
+          <a:ext cx="0" cy="0"/>
+          <a:chOff x="0" y="0"/>
+          <a:chExt cx="0" cy="0"/>
+        </a:xfrm>
+      </p:grpSpPr>
+      <p:sp>
+        <p:nvSpPr>
+          <p:cNvPr id="2" name="Slide Image Placeholder 1"/>
+          <p:cNvSpPr>
+            <a:spLocks noGrp="1" noRot="1" noChangeAspect="1"/>
+          </p:cNvSpPr>
+          <p:nvPr>
+            <p:ph type="sldImg"/>
+          </p:nvPr>
+        </p:nvSpPr>
+        <p:spPr/>
+      </p:sp>
+      <p:sp>
+        <p:nvSpPr>
+          <p:cNvPr id="3" name="Notes Placeholder 2"/>
+          <p:cNvSpPr>
+            <a:spLocks noGrp="1"/>
+          </p:cNvSpPr>
+          <p:nvPr>
+            <p:ph type="body" idx="1"/>
+          </p:nvPr>
+        </p:nvSpPr>
+        <p:spPr/>
+        <p:txBody>
+          <a:bodyPr/>
+          <a:lstStyle/>
+          <a:p>
+            <a:r>
+              <a:rPr lang="en-US" sz="4800" b="0" dirty="0">
+                <a:solidFill>
+                  <a:srgbClr val="000000"/>
+                </a:solidFill>
+                <a:effectLst/>
+                <a:latin typeface="Consolas" panose="020B0609020204030204" pitchFamily="49" charset="0"/>
+              </a:rPr>
+              <a:t>- We have </a:t>
+            </a:r>
+            <a:r>
+              <a:rPr lang="en-US" sz="4800" b="0" dirty="0">
+                <a:solidFill>
+                  <a:srgbClr val="A31515"/>
+                </a:solidFill>
+                <a:effectLst/>
+                <a:latin typeface="Consolas" panose="020B0609020204030204" pitchFamily="49" charset="0"/>
+              </a:rPr>
+              <a:t>[The .NET Portability Analyzer]</a:t>
+            </a:r>
+            <a:r>
+              <a:rPr lang="en-US" sz="4800" b="0" dirty="0">
+                <a:solidFill>
+                  <a:srgbClr val="222222"/>
+                </a:solidFill>
+                <a:effectLst/>
+                <a:latin typeface="Consolas" panose="020B0609020204030204" pitchFamily="49" charset="0"/>
+              </a:rPr>
+              <a:t>(</a:t>
+            </a:r>
+            <a:r>
+              <a:rPr lang="en-US" sz="4800" b="0" u="sng" dirty="0">
+                <a:solidFill>
+                  <a:srgbClr val="000000"/>
+                </a:solidFill>
+                <a:effectLst/>
+                <a:latin typeface="Consolas" panose="020B0609020204030204" pitchFamily="49" charset="0"/>
+              </a:rPr>
+              <a:t>https://docs.microsoft.com/en-us/dotnet/standard/analyzers/portability-analyzer</a:t>
+            </a:r>
+            <a:r>
+              <a:rPr lang="en-US" sz="4800" b="0" dirty="0">
+                <a:solidFill>
+                  <a:srgbClr val="222222"/>
+                </a:solidFill>
+                <a:effectLst/>
+                <a:latin typeface="Consolas" panose="020B0609020204030204" pitchFamily="49" charset="0"/>
+              </a:rPr>
+              <a:t>)</a:t>
+            </a:r>
+            <a:r>
+              <a:rPr lang="en-US" sz="4800" b="0" dirty="0">
+                <a:solidFill>
+                  <a:srgbClr val="000000"/>
+                </a:solidFill>
+                <a:effectLst/>
+                <a:latin typeface="Consolas" panose="020B0609020204030204" pitchFamily="49" charset="0"/>
+              </a:rPr>
+              <a:t> that can be used to assess how much work is required for a migration. We know projects that can migrate with a single configuration change and others who had to do some work based on the application's complexity and code dependencies. The .NET Portability Analyzer can give you a good idea of how much effort is required to migrate to a newer version including an assessment of all your code dependencies. </a:t>
+            </a:r>
+          </a:p>
+          <a:p>
+            <a:r>
+              <a:rPr lang="en-US" sz="4800" b="0" dirty="0">
+                <a:solidFill>
+                  <a:srgbClr val="000000"/>
+                </a:solidFill>
+                <a:effectLst/>
+                <a:latin typeface="Consolas" panose="020B0609020204030204" pitchFamily="49" charset="0"/>
+              </a:rPr>
+              <a:t>- When a .NET Core version is </a:t>
+            </a:r>
+            <a:r>
+              <a:rPr lang="en-US" sz="4800" b="0" dirty="0" err="1">
+                <a:solidFill>
+                  <a:srgbClr val="000000"/>
+                </a:solidFill>
+                <a:effectLst/>
+                <a:latin typeface="Consolas" panose="020B0609020204030204" pitchFamily="49" charset="0"/>
+              </a:rPr>
+              <a:t>EoL</a:t>
+            </a:r>
+            <a:r>
+              <a:rPr lang="en-US" sz="4800" b="0" dirty="0">
+                <a:solidFill>
+                  <a:srgbClr val="000000"/>
+                </a:solidFill>
+                <a:effectLst/>
+                <a:latin typeface="Consolas" panose="020B0609020204030204" pitchFamily="49" charset="0"/>
+              </a:rPr>
+              <a:t> (End-of-life), does that mean we cannot host our solution in Azure?</a:t>
+            </a:r>
+          </a:p>
+          <a:p>
+            <a:r>
+              <a:rPr lang="en-US" sz="4800" b="0" dirty="0">
+                <a:solidFill>
+                  <a:srgbClr val="000000"/>
+                </a:solidFill>
+                <a:effectLst/>
+                <a:latin typeface="Consolas" panose="020B0609020204030204" pitchFamily="49" charset="0"/>
+              </a:rPr>
+              <a:t>- After the End-Of-Lime time, .NET Core patch updates will no longer be available for .NET Core 2.2. Your application will still run. .NET Core 2.2 was released as a non-LTS (Long Term Support) release. A non-LTS ("Current") release is supported for three months after the next release. For hosting applications that you do not intend to update often, we suggest LTS releases. LTS releases include features and components that have been stabilized, requiring few updates over a longer support release lifetime. The supported upgrade path from .NET Core 2.2 is via .NET Core 3.1. .NET Core 3.1 is released December 3, 2019, as a long-term support release. </a:t>
+            </a:r>
+          </a:p>
+          <a:p>
+            <a:r>
+              <a:rPr lang="en-US" sz="4800" b="0" dirty="0">
+                <a:solidFill>
+                  <a:srgbClr val="000000"/>
+                </a:solidFill>
+                <a:effectLst/>
+                <a:latin typeface="Consolas" panose="020B0609020204030204" pitchFamily="49" charset="0"/>
+              </a:rPr>
+              <a:t>- Azure is an open cloud that offers multiple choices. We suggest App Service if you have a single or a few back-end services in an N-Tier architecture. Azure Kubernetes Services is a better fit for Cloud-Native (Microservices) design.</a:t>
+            </a:r>
+          </a:p>
+          <a:p>
+            <a:r>
+              <a:rPr lang="en-US" sz="4800" b="0" dirty="0">
+                <a:solidFill>
+                  <a:srgbClr val="000000"/>
+                </a:solidFill>
+                <a:effectLst/>
+                <a:latin typeface="Consolas" panose="020B0609020204030204" pitchFamily="49" charset="0"/>
+              </a:rPr>
+              <a:t>- Azure has 60+ regions, more than any other cloud provider. Our physical infrastructure comprises 160+ physical datacenters arranged into regions and linked by one of the world's largest interconnected networks. We have services such as Azure Traffic Manager for DNS-based traffic load balancing, Azure Front Door, a global, scalable entry-point that uses the Microsoft global edge network to create fast, secure, and widely scalable web applications, and Azure CosmosDB, a globally-distributed planet-scale database service. All these services are ready for implementation and used by millions of customers every day. We would be more than happy to help Parts Unlimited scale its operations globally.</a:t>
+            </a:r>
+          </a:p>
+        </p:txBody>
+      </p:sp>
+      <p:sp>
+        <p:nvSpPr>
+          <p:cNvPr id="4" name="Slide Number Placeholder 3"/>
+          <p:cNvSpPr>
+            <a:spLocks noGrp="1"/>
+          </p:cNvSpPr>
+          <p:nvPr>
+            <p:ph type="sldNum" sz="quarter" idx="10"/>
+          </p:nvPr>
+        </p:nvSpPr>
+        <p:spPr/>
+        <p:txBody>
+          <a:bodyPr/>
+          <a:lstStyle/>
+          <a:p>
+            <a:fld id="{0998D5BB-B127-481F-BC0A-2F77C576BB34}" type="slidenum">
+              <a:rPr lang="en-US" smtClean="0"/>
+              <a:t>18</a:t>
+            </a:fld>
+            <a:endParaRPr lang="en-US" dirty="0"/>
+          </a:p>
+        </p:txBody>
+      </p:sp>
+    </p:spTree>
+    <p:extLst>
+      <p:ext uri="{BB962C8B-B14F-4D97-AF65-F5344CB8AC3E}">
+        <p14:creationId xmlns:p14="http://schemas.microsoft.com/office/powerpoint/2010/main" val="4186038490"/>
+      </p:ext>
+    </p:extLst>
+  </p:cSld>
+  <p:clrMapOvr>
+    <a:masterClrMapping/>
+  </p:clrMapOvr>
+</p:notes>
+</file>
+
+<file path=ppt/notesSlides/notesSlide19.xml><?xml version="1.0" encoding="utf-8"?>
+<p:notes xmlns:a="http://schemas.openxmlformats.org/drawingml/2006/main" xmlns:r="http://schemas.openxmlformats.org/officeDocument/2006/relationships" xmlns:p="http://schemas.openxmlformats.org/presentationml/2006/main">
+  <p:cSld>
+    <p:spTree>
+      <p:nvGrpSpPr>
+        <p:cNvPr id="1" name=""/>
+        <p:cNvGrpSpPr/>
+        <p:nvPr/>
+      </p:nvGrpSpPr>
+      <p:grpSpPr>
+        <a:xfrm>
+          <a:off x="0" y="0"/>
+          <a:ext cx="0" cy="0"/>
+          <a:chOff x="0" y="0"/>
+          <a:chExt cx="0" cy="0"/>
+        </a:xfrm>
+      </p:grpSpPr>
+      <p:sp>
+        <p:nvSpPr>
+          <p:cNvPr id="2" name="Slide Image Placeholder 1"/>
+          <p:cNvSpPr>
+            <a:spLocks noGrp="1" noRot="1" noChangeAspect="1"/>
+          </p:cNvSpPr>
+          <p:nvPr>
+            <p:ph type="sldImg"/>
+          </p:nvPr>
+        </p:nvSpPr>
+        <p:spPr/>
+      </p:sp>
+      <p:sp>
+        <p:nvSpPr>
+          <p:cNvPr id="3" name="Notes Placeholder 2"/>
+          <p:cNvSpPr>
+            <a:spLocks noGrp="1"/>
+          </p:cNvSpPr>
+          <p:nvPr>
+            <p:ph type="body" idx="1"/>
+          </p:nvPr>
+        </p:nvSpPr>
+        <p:spPr/>
+        <p:txBody>
+          <a:bodyPr/>
+          <a:lstStyle/>
+          <a:p>
+            <a:endParaRPr lang="en-US" dirty="0"/>
+          </a:p>
+        </p:txBody>
+      </p:sp>
+      <p:sp>
+        <p:nvSpPr>
+          <p:cNvPr id="4" name="Slide Number Placeholder 3"/>
+          <p:cNvSpPr>
+            <a:spLocks noGrp="1"/>
+          </p:cNvSpPr>
+          <p:nvPr>
+            <p:ph type="sldNum" sz="quarter" idx="10"/>
+          </p:nvPr>
+        </p:nvSpPr>
+        <p:spPr/>
+        <p:txBody>
+          <a:bodyPr/>
+          <a:lstStyle/>
+          <a:p>
+            <a:fld id="{0998D5BB-B127-481F-BC0A-2F77C576BB34}" type="slidenum">
+              <a:rPr lang="en-US" smtClean="0"/>
+              <a:t>19</a:t>
+            </a:fld>
+            <a:endParaRPr lang="en-US" dirty="0"/>
+          </a:p>
+        </p:txBody>
+      </p:sp>
+    </p:spTree>
+    <p:extLst>
+      <p:ext uri="{BB962C8B-B14F-4D97-AF65-F5344CB8AC3E}">
+        <p14:creationId xmlns:p14="http://schemas.microsoft.com/office/powerpoint/2010/main" val="671285550"/>
       </p:ext>
     </p:extLst>
   </p:cSld>
@@ -1830,6 +2376,206 @@
     <p:extLst>
       <p:ext uri="{BB962C8B-B14F-4D97-AF65-F5344CB8AC3E}">
         <p14:creationId xmlns:p14="http://schemas.microsoft.com/office/powerpoint/2010/main" val="2737779744"/>
+      </p:ext>
+    </p:extLst>
+  </p:cSld>
+  <p:clrMapOvr>
+    <a:masterClrMapping/>
+  </p:clrMapOvr>
+</p:notes>
+</file>
+
+<file path=ppt/notesSlides/notesSlide20.xml><?xml version="1.0" encoding="utf-8"?>
+<p:notes xmlns:a="http://schemas.openxmlformats.org/drawingml/2006/main" xmlns:r="http://schemas.openxmlformats.org/officeDocument/2006/relationships" xmlns:p="http://schemas.openxmlformats.org/presentationml/2006/main">
+  <p:cSld>
+    <p:spTree>
+      <p:nvGrpSpPr>
+        <p:cNvPr id="1" name=""/>
+        <p:cNvGrpSpPr/>
+        <p:nvPr/>
+      </p:nvGrpSpPr>
+      <p:grpSpPr>
+        <a:xfrm>
+          <a:off x="0" y="0"/>
+          <a:ext cx="0" cy="0"/>
+          <a:chOff x="0" y="0"/>
+          <a:chExt cx="0" cy="0"/>
+        </a:xfrm>
+      </p:grpSpPr>
+      <p:sp>
+        <p:nvSpPr>
+          <p:cNvPr id="2" name="Slide Image Placeholder 1"/>
+          <p:cNvSpPr>
+            <a:spLocks noGrp="1" noRot="1" noChangeAspect="1"/>
+          </p:cNvSpPr>
+          <p:nvPr>
+            <p:ph type="sldImg"/>
+          </p:nvPr>
+        </p:nvSpPr>
+        <p:spPr>
+          <a:xfrm>
+            <a:off x="381000" y="685800"/>
+            <a:ext cx="6096000" cy="3429000"/>
+          </a:xfrm>
+        </p:spPr>
+      </p:sp>
+      <p:sp>
+        <p:nvSpPr>
+          <p:cNvPr id="3" name="Notes Placeholder 2"/>
+          <p:cNvSpPr>
+            <a:spLocks noGrp="1"/>
+          </p:cNvSpPr>
+          <p:nvPr>
+            <p:ph type="body" idx="1"/>
+          </p:nvPr>
+        </p:nvSpPr>
+        <p:spPr/>
+        <p:txBody>
+          <a:bodyPr>
+            <a:normAutofit/>
+          </a:bodyPr>
+          <a:lstStyle/>
+          <a:p>
+            <a:endParaRPr lang="en-US" dirty="0"/>
+          </a:p>
+        </p:txBody>
+      </p:sp>
+      <p:sp>
+        <p:nvSpPr>
+          <p:cNvPr id="4" name="Header Placeholder 3"/>
+          <p:cNvSpPr>
+            <a:spLocks noGrp="1"/>
+          </p:cNvSpPr>
+          <p:nvPr>
+            <p:ph type="hdr" sz="quarter" idx="10"/>
+          </p:nvPr>
+        </p:nvSpPr>
+        <p:spPr>
+          <a:xfrm>
+            <a:off x="0" y="0"/>
+            <a:ext cx="2971800" cy="457200"/>
+          </a:xfrm>
+          <a:prstGeom prst="rect">
+            <a:avLst/>
+          </a:prstGeom>
+        </p:spPr>
+        <p:txBody>
+          <a:bodyPr/>
+          <a:lstStyle/>
+          <a:p>
+            <a:endParaRPr lang="en-US" dirty="0">
+              <a:solidFill>
+                <a:prstClr val="black"/>
+              </a:solidFill>
+            </a:endParaRPr>
+          </a:p>
+        </p:txBody>
+      </p:sp>
+      <p:sp>
+        <p:nvSpPr>
+          <p:cNvPr id="5" name="Date Placeholder 4"/>
+          <p:cNvSpPr>
+            <a:spLocks noGrp="1"/>
+          </p:cNvSpPr>
+          <p:nvPr>
+            <p:ph type="dt" idx="11"/>
+          </p:nvPr>
+        </p:nvSpPr>
+        <p:spPr/>
+        <p:txBody>
+          <a:bodyPr/>
+          <a:lstStyle/>
+          <a:p>
+            <a:fld id="{8AB9A6D4-FB34-4BDB-BA1E-7271914431FC}" type="datetime8">
+              <a:rPr lang="en-US" smtClean="0">
+                <a:solidFill>
+                  <a:prstClr val="black"/>
+                </a:solidFill>
+              </a:rPr>
+              <a:t>2021-03-02 9:11 AM</a:t>
+            </a:fld>
+            <a:endParaRPr lang="en-US" dirty="0">
+              <a:solidFill>
+                <a:prstClr val="black"/>
+              </a:solidFill>
+            </a:endParaRPr>
+          </a:p>
+        </p:txBody>
+      </p:sp>
+      <p:sp>
+        <p:nvSpPr>
+          <p:cNvPr id="7" name="Slide Number Placeholder 6"/>
+          <p:cNvSpPr>
+            <a:spLocks noGrp="1"/>
+          </p:cNvSpPr>
+          <p:nvPr>
+            <p:ph type="sldNum" sz="quarter" idx="13"/>
+          </p:nvPr>
+        </p:nvSpPr>
+        <p:spPr/>
+        <p:txBody>
+          <a:bodyPr/>
+          <a:lstStyle/>
+          <a:p>
+            <a:fld id="{EC87E0CF-87F6-4B58-B8B8-DCAB2DAAF3CA}" type="slidenum">
+              <a:rPr lang="en-US" smtClean="0">
+                <a:solidFill>
+                  <a:prstClr val="black"/>
+                </a:solidFill>
+              </a:rPr>
+              <a:pPr/>
+              <a:t>20</a:t>
+            </a:fld>
+            <a:endParaRPr lang="en-US" dirty="0">
+              <a:solidFill>
+                <a:prstClr val="black"/>
+              </a:solidFill>
+            </a:endParaRPr>
+          </a:p>
+        </p:txBody>
+      </p:sp>
+      <p:sp>
+        <p:nvSpPr>
+          <p:cNvPr id="6" name="Footer Placeholder 5"/>
+          <p:cNvSpPr>
+            <a:spLocks noGrp="1"/>
+          </p:cNvSpPr>
+          <p:nvPr>
+            <p:ph type="ftr" sz="quarter" idx="14"/>
+          </p:nvPr>
+        </p:nvSpPr>
+        <p:spPr/>
+        <p:txBody>
+          <a:bodyPr/>
+          <a:lstStyle/>
+          <a:p>
+            <a:pPr defTabSz="914099" eaLnBrk="0" hangingPunct="0"/>
+            <a:r>
+              <a:rPr lang="en-US" sz="400" dirty="0">
+                <a:gradFill>
+                  <a:gsLst>
+                    <a:gs pos="0">
+                      <a:prstClr val="black"/>
+                    </a:gs>
+                    <a:gs pos="100000">
+                      <a:prstClr val="black"/>
+                    </a:gs>
+                  </a:gsLst>
+                  <a:lin ang="5400000" scaled="0"/>
+                </a:gradFill>
+                <a:latin typeface="Segoe UI" pitchFamily="34" charset="0"/>
+                <a:ea typeface="Segoe UI" pitchFamily="34" charset="0"/>
+                <a:cs typeface="Segoe UI" pitchFamily="34" charset="0"/>
+              </a:rPr>
+              <a:t>© Microsoft Corporation. All rights reserved. MICROSOFT MAKES NO WARRANTIES, EXPRESS, IMPLIED OR STATUTORY, AS TO THE INFORMATION IN THIS PRESENTATION.</a:t>
+            </a:r>
+          </a:p>
+        </p:txBody>
+      </p:sp>
+    </p:spTree>
+    <p:extLst>
+      <p:ext uri="{BB962C8B-B14F-4D97-AF65-F5344CB8AC3E}">
+        <p14:creationId xmlns:p14="http://schemas.microsoft.com/office/powerpoint/2010/main" val="4011344012"/>
       </p:ext>
     </p:extLst>
   </p:cSld>
@@ -14901,7 +15647,7 @@
                 <a:latin typeface="Segoe UI Semilight" panose="020B0402040204020203" pitchFamily="34" charset="0"/>
                 <a:cs typeface="Segoe UI Semilight" panose="020B0402040204020203" pitchFamily="34" charset="0"/>
               </a:rPr>
-              <a:t>The primary audience is business and technology decision makers.</a:t>
+              <a:t>The primary audience is business and technology decision-makers.</a:t>
             </a:r>
           </a:p>
           <a:p>
@@ -14924,7 +15670,7 @@
                 <a:latin typeface="Segoe UI Semilight" panose="020B0402040204020203" pitchFamily="34" charset="0"/>
                 <a:cs typeface="Segoe UI Semilight" panose="020B0402040204020203" pitchFamily="34" charset="0"/>
               </a:rPr>
-              <a:t>Usually, we talk to the Infrastructure Managers who report into the CIOs, or to application sponsors (like a VP LOB, CMO) or to those that represent the Business Unit IT or developers that report into application sponsors.</a:t>
+              <a:t>Usually, we talk to the Infrastructure Managers who report to the CIOs, or application sponsors (like a VP LOB, CMO), or to those that represent the Business Unit IT or developers that report into application sponsors.</a:t>
             </a:r>
             <a:endParaRPr lang="en-US" sz="2800" dirty="0">
               <a:solidFill>
@@ -15372,7 +16118,91 @@
       </p:grpSpPr>
       <p:sp>
         <p:nvSpPr>
-          <p:cNvPr id="2" name="Title 1"/>
+          <p:cNvPr id="2" name="Text Placeholder 1">
+            <a:extLst>
+              <a:ext uri="{FF2B5EF4-FFF2-40B4-BE49-F238E27FC236}">
+                <a16:creationId xmlns:a16="http://schemas.microsoft.com/office/drawing/2014/main" id="{C4C57931-373C-4B88-9D7C-DBA82C917594}"/>
+              </a:ext>
+            </a:extLst>
+          </p:cNvPr>
+          <p:cNvSpPr>
+            <a:spLocks noGrp="1"/>
+          </p:cNvSpPr>
+          <p:nvPr>
+            <p:ph type="body" sz="quarter" idx="10"/>
+          </p:nvPr>
+        </p:nvSpPr>
+        <p:spPr>
+          <a:xfrm>
+            <a:off x="269239" y="1189177"/>
+            <a:ext cx="11653523" cy="4794582"/>
+          </a:xfrm>
+        </p:spPr>
+        <p:txBody>
+          <a:bodyPr/>
+          <a:lstStyle/>
+          <a:p>
+            <a:r>
+              <a:rPr lang="en-US" dirty="0"/>
+              <a:t>Azure Migrate provides a centralized hub to assess and migrate on-premises servers, infrastructure, applications, and data to Azure.</a:t>
+            </a:r>
+          </a:p>
+          <a:p>
+            <a:pPr lvl="1"/>
+            <a:r>
+              <a:rPr lang="en-US" dirty="0"/>
+              <a:t>The App Service Migration Assistant</a:t>
+            </a:r>
+          </a:p>
+          <a:p>
+            <a:pPr lvl="1"/>
+            <a:r>
+              <a:rPr lang="en-US" dirty="0"/>
+              <a:t>Azure Database Migration Service's (DMS)</a:t>
+            </a:r>
+          </a:p>
+          <a:p>
+            <a:pPr lvl="1"/>
+            <a:r>
+              <a:rPr lang="en-US" dirty="0"/>
+              <a:t>Database Migration Assistant (DMA)</a:t>
+            </a:r>
+          </a:p>
+          <a:p>
+            <a:pPr lvl="1"/>
+            <a:r>
+              <a:rPr lang="en-US" dirty="0"/>
+              <a:t>Database Experimentation Assistant (DEA)</a:t>
+            </a:r>
+          </a:p>
+          <a:p>
+            <a:r>
+              <a:rPr lang="en-US" dirty="0"/>
+              <a:t>Migration to a higher version of .NET</a:t>
+            </a:r>
+          </a:p>
+          <a:p>
+            <a:pPr lvl="1"/>
+            <a:r>
+              <a:rPr lang="en-US" dirty="0"/>
+              <a:t>The .NET Portability Analyzer</a:t>
+            </a:r>
+            <a:br>
+              <a:rPr lang="en-US" dirty="0"/>
+            </a:br>
+            <a:endParaRPr lang="en-US" dirty="0"/>
+          </a:p>
+        </p:txBody>
+      </p:sp>
+      <p:sp>
+        <p:nvSpPr>
+          <p:cNvPr id="3" name="Title 2">
+            <a:extLst>
+              <a:ext uri="{FF2B5EF4-FFF2-40B4-BE49-F238E27FC236}">
+                <a16:creationId xmlns:a16="http://schemas.microsoft.com/office/drawing/2014/main" id="{078EDF0F-09B3-41CD-A8EB-0D3A829C9C1C}"/>
+              </a:ext>
+            </a:extLst>
+          </p:cNvPr>
           <p:cNvSpPr>
             <a:spLocks noGrp="1"/>
           </p:cNvSpPr>
@@ -15382,191 +16212,463 @@
         </p:nvSpPr>
         <p:spPr/>
         <p:txBody>
-          <a:bodyPr>
-            <a:normAutofit fontScale="90000"/>
-          </a:bodyPr>
+          <a:bodyPr/>
           <a:lstStyle/>
           <a:p>
             <a:r>
-              <a:rPr lang="en-US" sz="4900" dirty="0">
-                <a:solidFill>
-                  <a:schemeClr val="tx1"/>
-                </a:solidFill>
-                <a:cs typeface="Segoe UI" panose="020B0502040204020203" pitchFamily="34" charset="0"/>
-              </a:rPr>
-              <a:t>Preferred objection handling</a:t>
-            </a:r>
-            <a:br>
-              <a:rPr lang="en-US" dirty="0">
-                <a:solidFill>
-                  <a:schemeClr val="tx1"/>
-                </a:solidFill>
-                <a:latin typeface="Segoe UI" panose="020B0502040204020203" pitchFamily="34" charset="0"/>
-              </a:rPr>
-            </a:br>
-            <a:endParaRPr lang="en-US" sz="3236" dirty="0">
-              <a:solidFill>
-                <a:schemeClr val="tx1"/>
-              </a:solidFill>
-              <a:latin typeface="Segoe UI" panose="020B0502040204020203" pitchFamily="34" charset="0"/>
-            </a:endParaRPr>
-          </a:p>
-        </p:txBody>
-      </p:sp>
-      <p:sp>
-        <p:nvSpPr>
-          <p:cNvPr id="4" name="TextBox 3"/>
-          <p:cNvSpPr txBox="1"/>
-          <p:nvPr/>
-        </p:nvSpPr>
-        <p:spPr>
-          <a:xfrm>
-            <a:off x="-256858" y="1085192"/>
-            <a:ext cx="11805658" cy="5766643"/>
-          </a:xfrm>
-          <a:prstGeom prst="rect">
-            <a:avLst/>
-          </a:prstGeom>
-          <a:noFill/>
-        </p:spPr>
-        <p:txBody>
-          <a:bodyPr wrap="square" lIns="182880" tIns="146304" rIns="182880" bIns="146304" rtlCol="0">
-            <a:spAutoFit/>
-          </a:bodyPr>
-          <a:lstStyle/>
-          <a:p>
-            <a:pPr marL="1028700" lvl="1" indent="-571500">
-              <a:lnSpc>
-                <a:spcPct val="150000"/>
-              </a:lnSpc>
-              <a:buFont typeface="Arial" panose="020B0604020202020204" pitchFamily="34" charset="0"/>
-              <a:buChar char="•"/>
-            </a:pPr>
-            <a:r>
-              <a:rPr lang="en-US" sz="2400" dirty="0">
-                <a:latin typeface="Segoe UI Semilight" panose="020B0402040204020203" pitchFamily="34" charset="0"/>
-                <a:cs typeface="Segoe UI Semilight" panose="020B0402040204020203" pitchFamily="34" charset="0"/>
-              </a:rPr>
-              <a:t>Our developers were not able to migrate our .NET Core 2.2 application to a newer version. Should we expect a steep upgrade path with every new version? </a:t>
-            </a:r>
-          </a:p>
-          <a:p>
-            <a:pPr marL="1028700" lvl="1" indent="-571500">
-              <a:lnSpc>
-                <a:spcPct val="150000"/>
-              </a:lnSpc>
-              <a:buFont typeface="Arial" panose="020B0604020202020204" pitchFamily="34" charset="0"/>
-              <a:buChar char="•"/>
-            </a:pPr>
-            <a:r>
-              <a:rPr lang="en-US" sz="2400" dirty="0">
-                <a:latin typeface="Segoe UI Semilight" panose="020B0402040204020203" pitchFamily="34" charset="0"/>
-                <a:cs typeface="Segoe UI Semilight" panose="020B0402040204020203" pitchFamily="34" charset="0"/>
-              </a:rPr>
-              <a:t>When a .NET Core version is </a:t>
-            </a:r>
-            <a:r>
-              <a:rPr lang="en-US" sz="2400" dirty="0" err="1">
-                <a:latin typeface="Segoe UI Semilight" panose="020B0402040204020203" pitchFamily="34" charset="0"/>
-                <a:cs typeface="Segoe UI Semilight" panose="020B0402040204020203" pitchFamily="34" charset="0"/>
-              </a:rPr>
-              <a:t>EoL</a:t>
-            </a:r>
-            <a:r>
-              <a:rPr lang="en-US" sz="2400" dirty="0">
-                <a:latin typeface="Segoe UI Semilight" panose="020B0402040204020203" pitchFamily="34" charset="0"/>
-                <a:cs typeface="Segoe UI Semilight" panose="020B0402040204020203" pitchFamily="34" charset="0"/>
-              </a:rPr>
-              <a:t> (End-of-life), does that mean we cannot host our solution in Azure?</a:t>
-            </a:r>
-          </a:p>
-          <a:p>
-            <a:pPr marL="1028700" lvl="1" indent="-571500">
-              <a:lnSpc>
-                <a:spcPct val="150000"/>
-              </a:lnSpc>
-              <a:buFont typeface="Arial" panose="020B0604020202020204" pitchFamily="34" charset="0"/>
-              <a:buChar char="•"/>
-            </a:pPr>
-            <a:r>
-              <a:rPr lang="en-US" sz="2400" dirty="0">
-                <a:latin typeface="Segoe UI Semilight" panose="020B0402040204020203" pitchFamily="34" charset="0"/>
-                <a:cs typeface="Segoe UI Semilight" panose="020B0402040204020203" pitchFamily="34" charset="0"/>
-              </a:rPr>
-              <a:t>Our engineers love </a:t>
-            </a:r>
-            <a:r>
-              <a:rPr lang="en-US" sz="2400" dirty="0" err="1">
-                <a:latin typeface="Segoe UI Semilight" panose="020B0402040204020203" pitchFamily="34" charset="0"/>
-                <a:cs typeface="Segoe UI Semilight" panose="020B0402040204020203" pitchFamily="34" charset="0"/>
-              </a:rPr>
-              <a:t>Github</a:t>
-            </a:r>
-            <a:r>
-              <a:rPr lang="en-US" sz="2400" dirty="0">
-                <a:latin typeface="Segoe UI Semilight" panose="020B0402040204020203" pitchFamily="34" charset="0"/>
-                <a:cs typeface="Segoe UI Semilight" panose="020B0402040204020203" pitchFamily="34" charset="0"/>
-              </a:rPr>
-              <a:t>. It looks like you bought it. Are you planning to merge it with Azure DevOps?</a:t>
-            </a:r>
-          </a:p>
-          <a:p>
-            <a:pPr marL="1028700" lvl="1" indent="-571500">
-              <a:lnSpc>
-                <a:spcPct val="150000"/>
-              </a:lnSpc>
-              <a:buFont typeface="Arial" panose="020B0604020202020204" pitchFamily="34" charset="0"/>
-              <a:buChar char="•"/>
-            </a:pPr>
-            <a:r>
-              <a:rPr lang="en-US" sz="2400" dirty="0">
-                <a:latin typeface="Segoe UI Semilight" panose="020B0402040204020203" pitchFamily="34" charset="0"/>
-                <a:cs typeface="Segoe UI Semilight" panose="020B0402040204020203" pitchFamily="34" charset="0"/>
-              </a:rPr>
-              <a:t>We hear a lot about Kubernetes. What is the difference between App Services and Kubernetes? </a:t>
-            </a:r>
-          </a:p>
-          <a:p>
-            <a:pPr marL="1028700" lvl="1" indent="-571500">
-              <a:lnSpc>
-                <a:spcPct val="150000"/>
-              </a:lnSpc>
-              <a:buFont typeface="Arial" panose="020B0604020202020204" pitchFamily="34" charset="0"/>
-              <a:buChar char="•"/>
-            </a:pPr>
-            <a:r>
-              <a:rPr lang="en-US" sz="2400" dirty="0">
-                <a:latin typeface="Segoe UI Semilight" panose="020B0402040204020203" pitchFamily="34" charset="0"/>
-                <a:cs typeface="Segoe UI Semilight" panose="020B0402040204020203" pitchFamily="34" charset="0"/>
-              </a:rPr>
-              <a:t>We have plans to scale to Mexico and Brazil. Anything we should be worried about while moving to Azure?</a:t>
-            </a:r>
-            <a:endParaRPr lang="en-US" sz="2400" dirty="0"/>
+              <a:rPr lang="en-US" dirty="0"/>
+              <a:t>Assessment and Migration</a:t>
+            </a:r>
           </a:p>
         </p:txBody>
       </p:sp>
     </p:spTree>
     <p:extLst>
       <p:ext uri="{BB962C8B-B14F-4D97-AF65-F5344CB8AC3E}">
-        <p14:creationId xmlns:p14="http://schemas.microsoft.com/office/powerpoint/2010/main" val="3173155178"/>
+        <p14:creationId xmlns:p14="http://schemas.microsoft.com/office/powerpoint/2010/main" val="1479511248"/>
       </p:ext>
     </p:extLst>
   </p:cSld>
   <p:clrMapOvr>
     <a:masterClrMapping/>
   </p:clrMapOvr>
-  <mc:AlternateContent xmlns:mc="http://schemas.openxmlformats.org/markup-compatibility/2006" xmlns:p14="http://schemas.microsoft.com/office/powerpoint/2010/main">
-    <mc:Choice Requires="p14">
-      <p:transition p14:dur="0"/>
-    </mc:Choice>
-    <mc:Fallback xmlns="">
-      <p:transition/>
-    </mc:Fallback>
-  </mc:AlternateContent>
+  <p:transition>
+    <p:fade/>
+  </p:transition>
 </p:sld>
 </file>
 
 <file path=ppt/slides/slide15.xml><?xml version="1.0" encoding="utf-8"?>
+<p:sld xmlns:a="http://schemas.openxmlformats.org/drawingml/2006/main" xmlns:r="http://schemas.openxmlformats.org/officeDocument/2006/relationships" xmlns:p="http://schemas.openxmlformats.org/presentationml/2006/main">
+  <p:cSld>
+    <p:spTree>
+      <p:nvGrpSpPr>
+        <p:cNvPr id="1" name=""/>
+        <p:cNvGrpSpPr/>
+        <p:nvPr/>
+      </p:nvGrpSpPr>
+      <p:grpSpPr>
+        <a:xfrm>
+          <a:off x="0" y="0"/>
+          <a:ext cx="0" cy="0"/>
+          <a:chOff x="0" y="0"/>
+          <a:chExt cx="0" cy="0"/>
+        </a:xfrm>
+      </p:grpSpPr>
+      <p:sp>
+        <p:nvSpPr>
+          <p:cNvPr id="5" name="Rectangle 4">
+            <a:extLst>
+              <a:ext uri="{FF2B5EF4-FFF2-40B4-BE49-F238E27FC236}">
+                <a16:creationId xmlns:a16="http://schemas.microsoft.com/office/drawing/2014/main" id="{256D026B-CE54-4415-BE9E-0EECBA32D757}"/>
+              </a:ext>
+            </a:extLst>
+          </p:cNvPr>
+          <p:cNvSpPr/>
+          <p:nvPr/>
+        </p:nvSpPr>
+        <p:spPr bwMode="auto">
+          <a:xfrm>
+            <a:off x="0" y="1346400"/>
+            <a:ext cx="12192000" cy="5511600"/>
+          </a:xfrm>
+          <a:prstGeom prst="rect">
+            <a:avLst/>
+          </a:prstGeom>
+          <a:solidFill>
+            <a:schemeClr val="tx1"/>
+          </a:solidFill>
+          <a:ln>
+            <a:noFill/>
+            <a:headEnd type="none" w="med" len="med"/>
+            <a:tailEnd type="none" w="med" len="med"/>
+          </a:ln>
+          <a:effectLst/>
+        </p:spPr>
+        <p:style>
+          <a:lnRef idx="1">
+            <a:schemeClr val="accent2"/>
+          </a:lnRef>
+          <a:fillRef idx="3">
+            <a:schemeClr val="accent2"/>
+          </a:fillRef>
+          <a:effectRef idx="2">
+            <a:schemeClr val="accent2"/>
+          </a:effectRef>
+          <a:fontRef idx="minor">
+            <a:schemeClr val="lt1"/>
+          </a:fontRef>
+        </p:style>
+        <p:txBody>
+          <a:bodyPr rot="0" spcFirstLastPara="0" vertOverflow="overflow" horzOverflow="overflow" vert="horz" wrap="square" lIns="182880" tIns="146304" rIns="182880" bIns="146304" numCol="1" spcCol="0" rtlCol="0" fromWordArt="0" anchor="t" anchorCtr="0" forceAA="0" compatLnSpc="1">
+            <a:prstTxWarp prst="textNoShape">
+              <a:avLst/>
+            </a:prstTxWarp>
+            <a:noAutofit/>
+          </a:bodyPr>
+          <a:lstStyle/>
+          <a:p>
+            <a:pPr algn="ctr" defTabSz="932472" fontAlgn="base">
+              <a:lnSpc>
+                <a:spcPct val="90000"/>
+              </a:lnSpc>
+              <a:spcBef>
+                <a:spcPct val="0"/>
+              </a:spcBef>
+              <a:spcAft>
+                <a:spcPct val="0"/>
+              </a:spcAft>
+            </a:pPr>
+            <a:endParaRPr lang="en-US" sz="2400" dirty="0" err="1">
+              <a:gradFill>
+                <a:gsLst>
+                  <a:gs pos="0">
+                    <a:srgbClr val="FFFFFF"/>
+                  </a:gs>
+                  <a:gs pos="100000">
+                    <a:srgbClr val="FFFFFF"/>
+                  </a:gs>
+                </a:gsLst>
+                <a:lin ang="5400000" scaled="0"/>
+              </a:gradFill>
+              <a:ea typeface="Segoe UI" pitchFamily="34" charset="0"/>
+              <a:cs typeface="Segoe UI" pitchFamily="34" charset="0"/>
+            </a:endParaRPr>
+          </a:p>
+        </p:txBody>
+      </p:sp>
+      <p:sp>
+        <p:nvSpPr>
+          <p:cNvPr id="2" name="Text Placeholder 1">
+            <a:extLst>
+              <a:ext uri="{FF2B5EF4-FFF2-40B4-BE49-F238E27FC236}">
+                <a16:creationId xmlns:a16="http://schemas.microsoft.com/office/drawing/2014/main" id="{BA09CC1A-32B6-4452-8041-260FCBFE41FF}"/>
+              </a:ext>
+            </a:extLst>
+          </p:cNvPr>
+          <p:cNvSpPr>
+            <a:spLocks noGrp="1"/>
+          </p:cNvSpPr>
+          <p:nvPr>
+            <p:ph type="body" sz="quarter" idx="10"/>
+          </p:nvPr>
+        </p:nvSpPr>
+        <p:spPr/>
+        <p:txBody>
+          <a:bodyPr/>
+          <a:lstStyle/>
+          <a:p>
+            <a:endParaRPr lang="en-US"/>
+          </a:p>
+        </p:txBody>
+      </p:sp>
+      <p:sp>
+        <p:nvSpPr>
+          <p:cNvPr id="3" name="Title 2">
+            <a:extLst>
+              <a:ext uri="{FF2B5EF4-FFF2-40B4-BE49-F238E27FC236}">
+                <a16:creationId xmlns:a16="http://schemas.microsoft.com/office/drawing/2014/main" id="{4189C304-EF01-4D93-9BC3-23875FE3D875}"/>
+              </a:ext>
+            </a:extLst>
+          </p:cNvPr>
+          <p:cNvSpPr>
+            <a:spLocks noGrp="1"/>
+          </p:cNvSpPr>
+          <p:nvPr>
+            <p:ph type="title"/>
+          </p:nvPr>
+        </p:nvSpPr>
+        <p:spPr/>
+        <p:txBody>
+          <a:bodyPr/>
+          <a:lstStyle/>
+          <a:p>
+            <a:r>
+              <a:rPr lang="en-US" dirty="0"/>
+              <a:t>The .NET Portability Analyzer </a:t>
+            </a:r>
+          </a:p>
+        </p:txBody>
+      </p:sp>
+      <p:pic>
+        <p:nvPicPr>
+          <p:cNvPr id="1026" name="Picture 2">
+            <a:extLst>
+              <a:ext uri="{FF2B5EF4-FFF2-40B4-BE49-F238E27FC236}">
+                <a16:creationId xmlns:a16="http://schemas.microsoft.com/office/drawing/2014/main" id="{E818BE06-A4CE-4AF2-A682-AB29D308A41E}"/>
+              </a:ext>
+            </a:extLst>
+          </p:cNvPr>
+          <p:cNvPicPr>
+            <a:picLocks noChangeAspect="1" noChangeArrowheads="1"/>
+          </p:cNvPicPr>
+          <p:nvPr/>
+        </p:nvPicPr>
+        <p:blipFill>
+          <a:blip r:embed="rId3">
+            <a:extLst>
+              <a:ext uri="{28A0092B-C50C-407E-A947-70E740481C1C}">
+                <a14:useLocalDpi xmlns:a14="http://schemas.microsoft.com/office/drawing/2010/main" val="0"/>
+              </a:ext>
+            </a:extLst>
+          </a:blip>
+          <a:srcRect/>
+          <a:stretch>
+            <a:fillRect/>
+          </a:stretch>
+        </p:blipFill>
+        <p:spPr bwMode="auto">
+          <a:xfrm>
+            <a:off x="1730588" y="1346399"/>
+            <a:ext cx="8730823" cy="5473394"/>
+          </a:xfrm>
+          <a:prstGeom prst="rect">
+            <a:avLst/>
+          </a:prstGeom>
+          <a:noFill/>
+          <a:extLst>
+            <a:ext uri="{909E8E84-426E-40DD-AFC4-6F175D3DCCD1}">
+              <a14:hiddenFill xmlns:a14="http://schemas.microsoft.com/office/drawing/2010/main">
+                <a:solidFill>
+                  <a:srgbClr val="FFFFFF"/>
+                </a:solidFill>
+              </a14:hiddenFill>
+            </a:ext>
+          </a:extLst>
+        </p:spPr>
+      </p:pic>
+    </p:spTree>
+    <p:extLst>
+      <p:ext uri="{BB962C8B-B14F-4D97-AF65-F5344CB8AC3E}">
+        <p14:creationId xmlns:p14="http://schemas.microsoft.com/office/powerpoint/2010/main" val="396411215"/>
+      </p:ext>
+    </p:extLst>
+  </p:cSld>
+  <p:clrMapOvr>
+    <a:masterClrMapping/>
+  </p:clrMapOvr>
+  <p:transition>
+    <p:fade/>
+  </p:transition>
+</p:sld>
+</file>
+
+<file path=ppt/slides/slide16.xml><?xml version="1.0" encoding="utf-8"?>
+<p:sld xmlns:a="http://schemas.openxmlformats.org/drawingml/2006/main" xmlns:r="http://schemas.openxmlformats.org/officeDocument/2006/relationships" xmlns:p="http://schemas.openxmlformats.org/presentationml/2006/main">
+  <p:cSld>
+    <p:spTree>
+      <p:nvGrpSpPr>
+        <p:cNvPr id="1" name=""/>
+        <p:cNvGrpSpPr/>
+        <p:nvPr/>
+      </p:nvGrpSpPr>
+      <p:grpSpPr>
+        <a:xfrm>
+          <a:off x="0" y="0"/>
+          <a:ext cx="0" cy="0"/>
+          <a:chOff x="0" y="0"/>
+          <a:chExt cx="0" cy="0"/>
+        </a:xfrm>
+      </p:grpSpPr>
+      <p:sp>
+        <p:nvSpPr>
+          <p:cNvPr id="2" name="Text Placeholder 1">
+            <a:extLst>
+              <a:ext uri="{FF2B5EF4-FFF2-40B4-BE49-F238E27FC236}">
+                <a16:creationId xmlns:a16="http://schemas.microsoft.com/office/drawing/2014/main" id="{DF89579D-9C1B-418B-9F15-D66C6F310F06}"/>
+              </a:ext>
+            </a:extLst>
+          </p:cNvPr>
+          <p:cNvSpPr>
+            <a:spLocks noGrp="1"/>
+          </p:cNvSpPr>
+          <p:nvPr>
+            <p:ph type="body" sz="quarter" idx="10"/>
+          </p:nvPr>
+        </p:nvSpPr>
+        <p:spPr>
+          <a:xfrm>
+            <a:off x="269239" y="1189177"/>
+            <a:ext cx="11653523" cy="4468916"/>
+          </a:xfrm>
+        </p:spPr>
+        <p:txBody>
+          <a:bodyPr/>
+          <a:lstStyle/>
+          <a:p>
+            <a:r>
+              <a:rPr lang="en-US" sz="4800" dirty="0"/>
+              <a:t>Azure Functions consumption plan for Serverless Order Processing</a:t>
+            </a:r>
+          </a:p>
+          <a:p>
+            <a:r>
+              <a:rPr lang="en-US" sz="4800" dirty="0"/>
+              <a:t>Application Insights for Performance Management</a:t>
+            </a:r>
+          </a:p>
+          <a:p>
+            <a:r>
+              <a:rPr lang="en-US" sz="4800" dirty="0"/>
+              <a:t>Serverless helps with unexpected spikes in load for SQL Server </a:t>
+            </a:r>
+          </a:p>
+        </p:txBody>
+      </p:sp>
+      <p:sp>
+        <p:nvSpPr>
+          <p:cNvPr id="3" name="Title 2">
+            <a:extLst>
+              <a:ext uri="{FF2B5EF4-FFF2-40B4-BE49-F238E27FC236}">
+                <a16:creationId xmlns:a16="http://schemas.microsoft.com/office/drawing/2014/main" id="{F6C19BCC-D4A4-4EB1-A422-1D48822ECFCC}"/>
+              </a:ext>
+            </a:extLst>
+          </p:cNvPr>
+          <p:cNvSpPr>
+            <a:spLocks noGrp="1"/>
+          </p:cNvSpPr>
+          <p:nvPr>
+            <p:ph type="title"/>
+          </p:nvPr>
+        </p:nvSpPr>
+        <p:spPr/>
+        <p:txBody>
+          <a:bodyPr/>
+          <a:lstStyle/>
+          <a:p>
+            <a:r>
+              <a:rPr lang="en-US" dirty="0"/>
+              <a:t>Modernization</a:t>
+            </a:r>
+          </a:p>
+        </p:txBody>
+      </p:sp>
+    </p:spTree>
+    <p:extLst>
+      <p:ext uri="{BB962C8B-B14F-4D97-AF65-F5344CB8AC3E}">
+        <p14:creationId xmlns:p14="http://schemas.microsoft.com/office/powerpoint/2010/main" val="3219414256"/>
+      </p:ext>
+    </p:extLst>
+  </p:cSld>
+  <p:clrMapOvr>
+    <a:masterClrMapping/>
+  </p:clrMapOvr>
+  <p:transition>
+    <p:fade/>
+  </p:transition>
+</p:sld>
+</file>
+
+<file path=ppt/slides/slide17.xml><?xml version="1.0" encoding="utf-8"?>
+<p:sld xmlns:a="http://schemas.openxmlformats.org/drawingml/2006/main" xmlns:r="http://schemas.openxmlformats.org/officeDocument/2006/relationships" xmlns:p="http://schemas.openxmlformats.org/presentationml/2006/main">
+  <p:cSld>
+    <p:spTree>
+      <p:nvGrpSpPr>
+        <p:cNvPr id="1" name=""/>
+        <p:cNvGrpSpPr/>
+        <p:nvPr/>
+      </p:nvGrpSpPr>
+      <p:grpSpPr>
+        <a:xfrm>
+          <a:off x="0" y="0"/>
+          <a:ext cx="0" cy="0"/>
+          <a:chOff x="0" y="0"/>
+          <a:chExt cx="0" cy="0"/>
+        </a:xfrm>
+      </p:grpSpPr>
+      <p:sp>
+        <p:nvSpPr>
+          <p:cNvPr id="2" name="Text Placeholder 1">
+            <a:extLst>
+              <a:ext uri="{FF2B5EF4-FFF2-40B4-BE49-F238E27FC236}">
+                <a16:creationId xmlns:a16="http://schemas.microsoft.com/office/drawing/2014/main" id="{7F5B3DD6-B5D6-4F87-B87B-51B9C03ADE5F}"/>
+              </a:ext>
+            </a:extLst>
+          </p:cNvPr>
+          <p:cNvSpPr>
+            <a:spLocks noGrp="1"/>
+          </p:cNvSpPr>
+          <p:nvPr>
+            <p:ph type="body" sz="quarter" idx="10"/>
+          </p:nvPr>
+        </p:nvSpPr>
+        <p:spPr>
+          <a:xfrm>
+            <a:off x="269239" y="1189177"/>
+            <a:ext cx="11653523" cy="3287054"/>
+          </a:xfrm>
+        </p:spPr>
+        <p:txBody>
+          <a:bodyPr/>
+          <a:lstStyle/>
+          <a:p>
+            <a:r>
+              <a:rPr lang="en-US" sz="4800" dirty="0"/>
+              <a:t>Azure App Service Deployment Slots</a:t>
+            </a:r>
+          </a:p>
+          <a:p>
+            <a:r>
+              <a:rPr lang="en-US" sz="4800" dirty="0"/>
+              <a:t>GitHub Actions</a:t>
+            </a:r>
+          </a:p>
+          <a:p>
+            <a:r>
+              <a:rPr lang="en-US" sz="4800" dirty="0"/>
+              <a:t>Azure App Service Deployment Center</a:t>
+            </a:r>
+          </a:p>
+          <a:p>
+            <a:endParaRPr lang="en-US" sz="4800" dirty="0"/>
+          </a:p>
+        </p:txBody>
+      </p:sp>
+      <p:sp>
+        <p:nvSpPr>
+          <p:cNvPr id="3" name="Title 2">
+            <a:extLst>
+              <a:ext uri="{FF2B5EF4-FFF2-40B4-BE49-F238E27FC236}">
+                <a16:creationId xmlns:a16="http://schemas.microsoft.com/office/drawing/2014/main" id="{5CA3BF27-D2BA-4D71-9230-32A2CF91A536}"/>
+              </a:ext>
+            </a:extLst>
+          </p:cNvPr>
+          <p:cNvSpPr>
+            <a:spLocks noGrp="1"/>
+          </p:cNvSpPr>
+          <p:nvPr>
+            <p:ph type="title"/>
+          </p:nvPr>
+        </p:nvSpPr>
+        <p:spPr/>
+        <p:txBody>
+          <a:bodyPr/>
+          <a:lstStyle/>
+          <a:p>
+            <a:r>
+              <a:rPr lang="en-US" dirty="0"/>
+              <a:t>DevOps</a:t>
+            </a:r>
+          </a:p>
+        </p:txBody>
+      </p:sp>
+    </p:spTree>
+    <p:extLst>
+      <p:ext uri="{BB962C8B-B14F-4D97-AF65-F5344CB8AC3E}">
+        <p14:creationId xmlns:p14="http://schemas.microsoft.com/office/powerpoint/2010/main" val="1930557086"/>
+      </p:ext>
+    </p:extLst>
+  </p:cSld>
+  <p:clrMapOvr>
+    <a:masterClrMapping/>
+  </p:clrMapOvr>
+  <p:transition>
+    <p:fade/>
+  </p:transition>
+</p:sld>
+</file>
+
+<file path=ppt/slides/slide18.xml><?xml version="1.0" encoding="utf-8"?>
 <p:sld xmlns:a="http://schemas.openxmlformats.org/drawingml/2006/main" xmlns:r="http://schemas.openxmlformats.org/officeDocument/2006/relationships" xmlns:p="http://schemas.openxmlformats.org/presentationml/2006/main">
   <p:cSld>
     <p:spTree>
@@ -15607,6 +16709,189 @@
                 </a:solidFill>
                 <a:cs typeface="Segoe UI" panose="020B0502040204020203" pitchFamily="34" charset="0"/>
               </a:rPr>
+              <a:t>Preferred objection handling</a:t>
+            </a:r>
+            <a:br>
+              <a:rPr lang="en-US" dirty="0">
+                <a:solidFill>
+                  <a:schemeClr val="tx1"/>
+                </a:solidFill>
+                <a:latin typeface="Segoe UI" panose="020B0502040204020203" pitchFamily="34" charset="0"/>
+              </a:rPr>
+            </a:br>
+            <a:endParaRPr lang="en-US" sz="3236" dirty="0">
+              <a:solidFill>
+                <a:schemeClr val="tx1"/>
+              </a:solidFill>
+              <a:latin typeface="Segoe UI" panose="020B0502040204020203" pitchFamily="34" charset="0"/>
+            </a:endParaRPr>
+          </a:p>
+        </p:txBody>
+      </p:sp>
+      <p:sp>
+        <p:nvSpPr>
+          <p:cNvPr id="4" name="TextBox 3"/>
+          <p:cNvSpPr txBox="1"/>
+          <p:nvPr/>
+        </p:nvSpPr>
+        <p:spPr>
+          <a:xfrm>
+            <a:off x="-256858" y="1085192"/>
+            <a:ext cx="11805658" cy="5212645"/>
+          </a:xfrm>
+          <a:prstGeom prst="rect">
+            <a:avLst/>
+          </a:prstGeom>
+          <a:noFill/>
+        </p:spPr>
+        <p:txBody>
+          <a:bodyPr wrap="square" lIns="182880" tIns="146304" rIns="182880" bIns="146304" rtlCol="0">
+            <a:spAutoFit/>
+          </a:bodyPr>
+          <a:lstStyle/>
+          <a:p>
+            <a:pPr marL="1028700" lvl="1" indent="-571500">
+              <a:lnSpc>
+                <a:spcPct val="150000"/>
+              </a:lnSpc>
+              <a:buFont typeface="Arial" panose="020B0604020202020204" pitchFamily="34" charset="0"/>
+              <a:buChar char="•"/>
+            </a:pPr>
+            <a:r>
+              <a:rPr lang="en-US" sz="2400" dirty="0">
+                <a:latin typeface="Segoe UI Semilight" panose="020B0402040204020203" pitchFamily="34" charset="0"/>
+                <a:cs typeface="Segoe UI Semilight" panose="020B0402040204020203" pitchFamily="34" charset="0"/>
+              </a:rPr>
+              <a:t>Our developers were not able to migrate our .NET Core 2.2 application to a more recent version. Should we expect a steep upgrade path with every new version? </a:t>
+            </a:r>
+          </a:p>
+          <a:p>
+            <a:pPr marL="1028700" lvl="1" indent="-571500">
+              <a:lnSpc>
+                <a:spcPct val="150000"/>
+              </a:lnSpc>
+              <a:buFont typeface="Arial" panose="020B0604020202020204" pitchFamily="34" charset="0"/>
+              <a:buChar char="•"/>
+            </a:pPr>
+            <a:r>
+              <a:rPr lang="en-US" sz="2400" dirty="0">
+                <a:latin typeface="Segoe UI Semilight" panose="020B0402040204020203" pitchFamily="34" charset="0"/>
+                <a:cs typeface="Segoe UI Semilight" panose="020B0402040204020203" pitchFamily="34" charset="0"/>
+              </a:rPr>
+              <a:t>When a .NET Core version is </a:t>
+            </a:r>
+            <a:r>
+              <a:rPr lang="en-US" sz="2400" dirty="0" err="1">
+                <a:latin typeface="Segoe UI Semilight" panose="020B0402040204020203" pitchFamily="34" charset="0"/>
+                <a:cs typeface="Segoe UI Semilight" panose="020B0402040204020203" pitchFamily="34" charset="0"/>
+              </a:rPr>
+              <a:t>EoL</a:t>
+            </a:r>
+            <a:r>
+              <a:rPr lang="en-US" sz="2400" dirty="0">
+                <a:latin typeface="Segoe UI Semilight" panose="020B0402040204020203" pitchFamily="34" charset="0"/>
+                <a:cs typeface="Segoe UI Semilight" panose="020B0402040204020203" pitchFamily="34" charset="0"/>
+              </a:rPr>
+              <a:t> (End-of-life), does that mean we cannot host our solution in Azure?</a:t>
+            </a:r>
+          </a:p>
+          <a:p>
+            <a:pPr marL="1028700" lvl="1" indent="-571500">
+              <a:lnSpc>
+                <a:spcPct val="150000"/>
+              </a:lnSpc>
+              <a:buFont typeface="Arial" panose="020B0604020202020204" pitchFamily="34" charset="0"/>
+              <a:buChar char="•"/>
+            </a:pPr>
+            <a:r>
+              <a:rPr lang="en-US" sz="2400" dirty="0">
+                <a:latin typeface="Segoe UI Semilight" panose="020B0402040204020203" pitchFamily="34" charset="0"/>
+                <a:cs typeface="Segoe UI Semilight" panose="020B0402040204020203" pitchFamily="34" charset="0"/>
+              </a:rPr>
+              <a:t>We hear a lot about Kubernetes. What is the difference between App Services and Kubernetes? </a:t>
+            </a:r>
+          </a:p>
+          <a:p>
+            <a:pPr marL="1028700" lvl="1" indent="-571500">
+              <a:lnSpc>
+                <a:spcPct val="150000"/>
+              </a:lnSpc>
+              <a:buFont typeface="Arial" panose="020B0604020202020204" pitchFamily="34" charset="0"/>
+              <a:buChar char="•"/>
+            </a:pPr>
+            <a:r>
+              <a:rPr lang="en-US" sz="2400" dirty="0">
+                <a:latin typeface="Segoe UI Semilight" panose="020B0402040204020203" pitchFamily="34" charset="0"/>
+                <a:cs typeface="Segoe UI Semilight" panose="020B0402040204020203" pitchFamily="34" charset="0"/>
+              </a:rPr>
+              <a:t>We have plans to scale to Mexico and Brazil. Anything we should be worried about while moving to Azure?</a:t>
+            </a:r>
+            <a:endParaRPr lang="en-US" sz="2400" dirty="0"/>
+          </a:p>
+        </p:txBody>
+      </p:sp>
+    </p:spTree>
+    <p:extLst>
+      <p:ext uri="{BB962C8B-B14F-4D97-AF65-F5344CB8AC3E}">
+        <p14:creationId xmlns:p14="http://schemas.microsoft.com/office/powerpoint/2010/main" val="3173155178"/>
+      </p:ext>
+    </p:extLst>
+  </p:cSld>
+  <p:clrMapOvr>
+    <a:masterClrMapping/>
+  </p:clrMapOvr>
+  <mc:AlternateContent xmlns:mc="http://schemas.openxmlformats.org/markup-compatibility/2006" xmlns:p14="http://schemas.microsoft.com/office/powerpoint/2010/main">
+    <mc:Choice Requires="p14">
+      <p:transition p14:dur="0"/>
+    </mc:Choice>
+    <mc:Fallback xmlns="">
+      <p:transition/>
+    </mc:Fallback>
+  </mc:AlternateContent>
+</p:sld>
+</file>
+
+<file path=ppt/slides/slide19.xml><?xml version="1.0" encoding="utf-8"?>
+<p:sld xmlns:a="http://schemas.openxmlformats.org/drawingml/2006/main" xmlns:r="http://schemas.openxmlformats.org/officeDocument/2006/relationships" xmlns:p="http://schemas.openxmlformats.org/presentationml/2006/main">
+  <p:cSld>
+    <p:spTree>
+      <p:nvGrpSpPr>
+        <p:cNvPr id="1" name=""/>
+        <p:cNvGrpSpPr/>
+        <p:nvPr/>
+      </p:nvGrpSpPr>
+      <p:grpSpPr>
+        <a:xfrm>
+          <a:off x="0" y="0"/>
+          <a:ext cx="0" cy="0"/>
+          <a:chOff x="0" y="0"/>
+          <a:chExt cx="0" cy="0"/>
+        </a:xfrm>
+      </p:grpSpPr>
+      <p:sp>
+        <p:nvSpPr>
+          <p:cNvPr id="2" name="Title 1"/>
+          <p:cNvSpPr>
+            <a:spLocks noGrp="1"/>
+          </p:cNvSpPr>
+          <p:nvPr>
+            <p:ph type="title"/>
+          </p:nvPr>
+        </p:nvSpPr>
+        <p:spPr/>
+        <p:txBody>
+          <a:bodyPr>
+            <a:normAutofit fontScale="90000"/>
+          </a:bodyPr>
+          <a:lstStyle/>
+          <a:p>
+            <a:r>
+              <a:rPr lang="en-US" sz="4900" dirty="0">
+                <a:solidFill>
+                  <a:schemeClr val="tx1"/>
+                </a:solidFill>
+                <a:cs typeface="Segoe UI" panose="020B0502040204020203" pitchFamily="34" charset="0"/>
+              </a:rPr>
               <a:t>Customer quote</a:t>
             </a:r>
             <a:br>
@@ -15722,56 +17007,6 @@
     </mc:Choice>
     <mc:Fallback xmlns="">
       <p:transition/>
-    </mc:Fallback>
-  </mc:AlternateContent>
-</p:sld>
-</file>
-
-<file path=ppt/slides/slide16.xml><?xml version="1.0" encoding="utf-8"?>
-<p:sld xmlns:a="http://schemas.openxmlformats.org/drawingml/2006/main" xmlns:r="http://schemas.openxmlformats.org/officeDocument/2006/relationships" xmlns:p="http://schemas.openxmlformats.org/presentationml/2006/main">
-  <p:cSld>
-    <p:bg>
-      <p:bgPr>
-        <a:solidFill>
-          <a:schemeClr val="bg2"/>
-        </a:solidFill>
-        <a:effectLst/>
-      </p:bgPr>
-    </p:bg>
-    <p:spTree>
-      <p:nvGrpSpPr>
-        <p:cNvPr id="1" name=""/>
-        <p:cNvGrpSpPr/>
-        <p:nvPr/>
-      </p:nvGrpSpPr>
-      <p:grpSpPr>
-        <a:xfrm>
-          <a:off x="0" y="0"/>
-          <a:ext cx="0" cy="0"/>
-          <a:chOff x="0" y="0"/>
-          <a:chExt cx="0" cy="0"/>
-        </a:xfrm>
-      </p:grpSpPr>
-    </p:spTree>
-    <p:extLst>
-      <p:ext uri="{BB962C8B-B14F-4D97-AF65-F5344CB8AC3E}">
-        <p14:creationId xmlns:p14="http://schemas.microsoft.com/office/powerpoint/2010/main" val="1897784522"/>
-      </p:ext>
-    </p:extLst>
-  </p:cSld>
-  <p:clrMapOvr>
-    <a:masterClrMapping/>
-  </p:clrMapOvr>
-  <mc:AlternateContent xmlns:mc="http://schemas.openxmlformats.org/markup-compatibility/2006" xmlns:p14="http://schemas.microsoft.com/office/powerpoint/2010/main">
-    <mc:Choice Requires="p14">
-      <p:transition spd="med" p14:dur="700">
-        <p:fade/>
-      </p:transition>
-    </mc:Choice>
-    <mc:Fallback xmlns="">
-      <p:transition spd="med">
-        <p:fade/>
-      </p:transition>
     </mc:Fallback>
   </mc:AlternateContent>
 </p:sld>
@@ -15931,6 +17166,56 @@
     </mc:Choice>
     <mc:Fallback xmlns="">
       <p:transition/>
+    </mc:Fallback>
+  </mc:AlternateContent>
+</p:sld>
+</file>
+
+<file path=ppt/slides/slide20.xml><?xml version="1.0" encoding="utf-8"?>
+<p:sld xmlns:a="http://schemas.openxmlformats.org/drawingml/2006/main" xmlns:r="http://schemas.openxmlformats.org/officeDocument/2006/relationships" xmlns:p="http://schemas.openxmlformats.org/presentationml/2006/main">
+  <p:cSld>
+    <p:bg>
+      <p:bgPr>
+        <a:solidFill>
+          <a:schemeClr val="bg2"/>
+        </a:solidFill>
+        <a:effectLst/>
+      </p:bgPr>
+    </p:bg>
+    <p:spTree>
+      <p:nvGrpSpPr>
+        <p:cNvPr id="1" name=""/>
+        <p:cNvGrpSpPr/>
+        <p:nvPr/>
+      </p:nvGrpSpPr>
+      <p:grpSpPr>
+        <a:xfrm>
+          <a:off x="0" y="0"/>
+          <a:ext cx="0" cy="0"/>
+          <a:chOff x="0" y="0"/>
+          <a:chExt cx="0" cy="0"/>
+        </a:xfrm>
+      </p:grpSpPr>
+    </p:spTree>
+    <p:extLst>
+      <p:ext uri="{BB962C8B-B14F-4D97-AF65-F5344CB8AC3E}">
+        <p14:creationId xmlns:p14="http://schemas.microsoft.com/office/powerpoint/2010/main" val="1897784522"/>
+      </p:ext>
+    </p:extLst>
+  </p:cSld>
+  <p:clrMapOvr>
+    <a:masterClrMapping/>
+  </p:clrMapOvr>
+  <mc:AlternateContent xmlns:mc="http://schemas.openxmlformats.org/markup-compatibility/2006" xmlns:p14="http://schemas.microsoft.com/office/powerpoint/2010/main">
+    <mc:Choice Requires="p14">
+      <p:transition spd="med" p14:dur="700">
+        <p:fade/>
+      </p:transition>
+    </mc:Choice>
+    <mc:Fallback xmlns="">
+      <p:transition spd="med">
+        <p:fade/>
+      </p:transition>
     </mc:Fallback>
   </mc:AlternateContent>
 </p:sld>
@@ -16564,7 +17849,7 @@
                 </a:solidFill>
                 <a:latin typeface="+mj-lt"/>
               </a:rPr>
-              <a:t>A SQL Server 2008 R2 hosting the web site.</a:t>
+              <a:t>A SQL Server 2008 R2 hosting the website.</a:t>
             </a:r>
           </a:p>
           <a:p>
@@ -16786,16 +18071,6 @@
           <a:p>
             <a:pPr lvl="1"/>
             <a:r>
-              <a:rPr lang="en-US" sz="3600" dirty="0" err="1">
-                <a:solidFill>
-                  <a:schemeClr val="tx1"/>
-                </a:solidFill>
-                <a:latin typeface="Segoe UI Semilight" panose="020B0402040204020203" pitchFamily="34" charset="0"/>
-                <a:cs typeface="Segoe UI Semilight" panose="020B0402040204020203" pitchFamily="34" charset="0"/>
-              </a:rPr>
-              <a:t>Migaret</a:t>
-            </a:r>
-            <a:r>
               <a:rPr lang="en-US" sz="3600" dirty="0">
                 <a:solidFill>
                   <a:schemeClr val="tx1"/>
@@ -16803,7 +18078,7 @@
                 <a:latin typeface="Segoe UI Semilight" panose="020B0402040204020203" pitchFamily="34" charset="0"/>
                 <a:cs typeface="Segoe UI Semilight" panose="020B0402040204020203" pitchFamily="34" charset="0"/>
               </a:rPr>
-              <a:t> to managed services</a:t>
+              <a:t>Migrate to managed services</a:t>
             </a:r>
           </a:p>
           <a:p>
@@ -17190,7 +18465,7 @@
         </p:spPr>
         <p:txBody>
           <a:bodyPr>
-            <a:normAutofit fontScale="55000" lnSpcReduction="20000"/>
+            <a:normAutofit fontScale="62500" lnSpcReduction="20000"/>
           </a:bodyPr>
           <a:lstStyle/>
           <a:p>
@@ -17207,7 +18482,7 @@
                 <a:latin typeface="Segoe UI Semilight" panose="020B0402040204020203" pitchFamily="34" charset="0"/>
                 <a:cs typeface="Segoe UI Semilight" panose="020B0402040204020203" pitchFamily="34" charset="0"/>
               </a:rPr>
-              <a:t>Our developers were not able to migrate our .NET Core 2.2 application to a newer version. Should we expect a steep upgrade path with every new version? </a:t>
+              <a:t>Our developers were not able to migrate our .NET Core 2.2 application to a more recent version. Should we expect a steep upgrade path with every new version? </a:t>
             </a:r>
           </a:p>
           <a:p>
@@ -17244,44 +18519,7 @@
                 <a:latin typeface="Segoe UI Semilight" panose="020B0402040204020203" pitchFamily="34" charset="0"/>
                 <a:cs typeface="Segoe UI Semilight" panose="020B0402040204020203" pitchFamily="34" charset="0"/>
               </a:rPr>
-              <a:t> (End-of-life), does that mean we cannot host our solution in Azure?</a:t>
-            </a:r>
-          </a:p>
-          <a:p>
-            <a:pPr lvl="1">
-              <a:lnSpc>
-                <a:spcPct val="170000"/>
-              </a:lnSpc>
-            </a:pPr>
-            <a:r>
-              <a:rPr lang="en-US" sz="3600" dirty="0">
-                <a:solidFill>
-                  <a:schemeClr val="tx1"/>
-                </a:solidFill>
-                <a:latin typeface="Segoe UI Semilight" panose="020B0402040204020203" pitchFamily="34" charset="0"/>
-                <a:cs typeface="Segoe UI Semilight" panose="020B0402040204020203" pitchFamily="34" charset="0"/>
-              </a:rPr>
-              <a:t>Our engineers love </a:t>
-            </a:r>
-            <a:r>
-              <a:rPr lang="en-US" sz="3600" dirty="0" err="1">
-                <a:solidFill>
-                  <a:schemeClr val="tx1"/>
-                </a:solidFill>
-                <a:latin typeface="Segoe UI Semilight" panose="020B0402040204020203" pitchFamily="34" charset="0"/>
-                <a:cs typeface="Segoe UI Semilight" panose="020B0402040204020203" pitchFamily="34" charset="0"/>
-              </a:rPr>
-              <a:t>Github</a:t>
-            </a:r>
-            <a:r>
-              <a:rPr lang="en-US" sz="3600" dirty="0">
-                <a:solidFill>
-                  <a:schemeClr val="tx1"/>
-                </a:solidFill>
-                <a:latin typeface="Segoe UI Semilight" panose="020B0402040204020203" pitchFamily="34" charset="0"/>
-                <a:cs typeface="Segoe UI Semilight" panose="020B0402040204020203" pitchFamily="34" charset="0"/>
-              </a:rPr>
-              <a:t>. It looks like you bought it. Are you planning to merge it with Azure DevOps?</a:t>
+              <a:t> (End-of-Life), does that mean we cannot host our solution in Azure?</a:t>
             </a:r>
           </a:p>
           <a:p>

--- a/Whiteboard design session/WDS trainer presentation - App modernization.pptx
+++ b/Whiteboard design session/WDS trainer presentation - App modernization.pptx
@@ -2492,7 +2492,7 @@
                   <a:prstClr val="black"/>
                 </a:solidFill>
               </a:rPr>
-              <a:t>2021-03-02 9:11 AM</a:t>
+              <a:t>2021-03-02 10:08 AM</a:t>
             </a:fld>
             <a:endParaRPr lang="en-US" dirty="0">
               <a:solidFill>
@@ -15757,88 +15757,139 @@
           <a:chExt cx="0" cy="0"/>
         </a:xfrm>
       </p:grpSpPr>
-      <p:sp>
-        <p:nvSpPr>
-          <p:cNvPr id="6" name="Rectangle 5">
+      <p:grpSp>
+        <p:nvGrpSpPr>
+          <p:cNvPr id="3" name="Group 2">
             <a:extLst>
               <a:ext uri="{FF2B5EF4-FFF2-40B4-BE49-F238E27FC236}">
-                <a16:creationId xmlns:a16="http://schemas.microsoft.com/office/drawing/2014/main" id="{66F5720F-7FCD-4A3C-8945-A3F1267347D8}"/>
+                <a16:creationId xmlns:a16="http://schemas.microsoft.com/office/drawing/2014/main" id="{514782C5-F3E4-4893-9C86-4B19325BAAFA}"/>
               </a:ext>
             </a:extLst>
           </p:cNvPr>
-          <p:cNvSpPr/>
+          <p:cNvGrpSpPr/>
           <p:nvPr/>
-        </p:nvSpPr>
-        <p:spPr bwMode="auto">
+        </p:nvGrpSpPr>
+        <p:grpSpPr>
           <a:xfrm>
             <a:off x="0" y="1346400"/>
             <a:ext cx="12192000" cy="5511600"/>
+            <a:chOff x="0" y="1346400"/>
+            <a:chExt cx="12192000" cy="5511600"/>
           </a:xfrm>
-          <a:prstGeom prst="rect">
-            <a:avLst/>
-          </a:prstGeom>
-          <a:solidFill>
-            <a:schemeClr val="tx1"/>
-          </a:solidFill>
-          <a:ln>
-            <a:noFill/>
-            <a:headEnd type="none" w="med" len="med"/>
-            <a:tailEnd type="none" w="med" len="med"/>
-          </a:ln>
-          <a:effectLst/>
-        </p:spPr>
-        <p:style>
-          <a:lnRef idx="1">
-            <a:schemeClr val="accent2"/>
-          </a:lnRef>
-          <a:fillRef idx="3">
-            <a:schemeClr val="accent2"/>
-          </a:fillRef>
-          <a:effectRef idx="2">
-            <a:schemeClr val="accent2"/>
-          </a:effectRef>
-          <a:fontRef idx="minor">
-            <a:schemeClr val="lt1"/>
-          </a:fontRef>
-        </p:style>
-        <p:txBody>
-          <a:bodyPr rot="0" spcFirstLastPara="0" vertOverflow="overflow" horzOverflow="overflow" vert="horz" wrap="square" lIns="182880" tIns="146304" rIns="182880" bIns="146304" numCol="1" spcCol="0" rtlCol="0" fromWordArt="0" anchor="t" anchorCtr="0" forceAA="0" compatLnSpc="1">
-            <a:prstTxWarp prst="textNoShape">
+        </p:grpSpPr>
+        <p:sp>
+          <p:nvSpPr>
+            <p:cNvPr id="6" name="Rectangle 5">
+              <a:extLst>
+                <a:ext uri="{FF2B5EF4-FFF2-40B4-BE49-F238E27FC236}">
+                  <a16:creationId xmlns:a16="http://schemas.microsoft.com/office/drawing/2014/main" id="{66F5720F-7FCD-4A3C-8945-A3F1267347D8}"/>
+                </a:ext>
+              </a:extLst>
+            </p:cNvPr>
+            <p:cNvSpPr/>
+            <p:nvPr/>
+          </p:nvSpPr>
+          <p:spPr bwMode="auto">
+            <a:xfrm>
+              <a:off x="0" y="1346400"/>
+              <a:ext cx="12192000" cy="5511600"/>
+            </a:xfrm>
+            <a:prstGeom prst="rect">
               <a:avLst/>
-            </a:prstTxWarp>
-            <a:noAutofit/>
-          </a:bodyPr>
-          <a:lstStyle/>
-          <a:p>
-            <a:pPr algn="ctr" defTabSz="932472" fontAlgn="base">
-              <a:lnSpc>
-                <a:spcPct val="90000"/>
-              </a:lnSpc>
-              <a:spcBef>
-                <a:spcPct val="0"/>
-              </a:spcBef>
-              <a:spcAft>
-                <a:spcPct val="0"/>
-              </a:spcAft>
-            </a:pPr>
-            <a:endParaRPr lang="en-US" sz="2400" dirty="0" err="1">
-              <a:gradFill>
-                <a:gsLst>
-                  <a:gs pos="0">
-                    <a:srgbClr val="FFFFFF"/>
-                  </a:gs>
-                  <a:gs pos="100000">
-                    <a:srgbClr val="FFFFFF"/>
-                  </a:gs>
-                </a:gsLst>
-                <a:lin ang="5400000" scaled="0"/>
-              </a:gradFill>
-              <a:ea typeface="Segoe UI" pitchFamily="34" charset="0"/>
-              <a:cs typeface="Segoe UI" pitchFamily="34" charset="0"/>
-            </a:endParaRPr>
-          </a:p>
-        </p:txBody>
-      </p:sp>
+            </a:prstGeom>
+            <a:solidFill>
+              <a:schemeClr val="tx1"/>
+            </a:solidFill>
+            <a:ln>
+              <a:noFill/>
+              <a:headEnd type="none" w="med" len="med"/>
+              <a:tailEnd type="none" w="med" len="med"/>
+            </a:ln>
+            <a:effectLst/>
+          </p:spPr>
+          <p:style>
+            <a:lnRef idx="1">
+              <a:schemeClr val="accent2"/>
+            </a:lnRef>
+            <a:fillRef idx="3">
+              <a:schemeClr val="accent2"/>
+            </a:fillRef>
+            <a:effectRef idx="2">
+              <a:schemeClr val="accent2"/>
+            </a:effectRef>
+            <a:fontRef idx="minor">
+              <a:schemeClr val="lt1"/>
+            </a:fontRef>
+          </p:style>
+          <p:txBody>
+            <a:bodyPr rot="0" spcFirstLastPara="0" vertOverflow="overflow" horzOverflow="overflow" vert="horz" wrap="square" lIns="182880" tIns="146304" rIns="182880" bIns="146304" numCol="1" spcCol="0" rtlCol="0" fromWordArt="0" anchor="t" anchorCtr="0" forceAA="0" compatLnSpc="1">
+              <a:prstTxWarp prst="textNoShape">
+                <a:avLst/>
+              </a:prstTxWarp>
+              <a:noAutofit/>
+            </a:bodyPr>
+            <a:lstStyle/>
+            <a:p>
+              <a:pPr algn="ctr" defTabSz="932472" fontAlgn="base">
+                <a:lnSpc>
+                  <a:spcPct val="90000"/>
+                </a:lnSpc>
+                <a:spcBef>
+                  <a:spcPct val="0"/>
+                </a:spcBef>
+                <a:spcAft>
+                  <a:spcPct val="0"/>
+                </a:spcAft>
+              </a:pPr>
+              <a:endParaRPr lang="en-US" sz="2400" dirty="0" err="1">
+                <a:gradFill>
+                  <a:gsLst>
+                    <a:gs pos="0">
+                      <a:srgbClr val="FFFFFF"/>
+                    </a:gs>
+                    <a:gs pos="100000">
+                      <a:srgbClr val="FFFFFF"/>
+                    </a:gs>
+                  </a:gsLst>
+                  <a:lin ang="5400000" scaled="0"/>
+                </a:gradFill>
+                <a:ea typeface="Segoe UI" pitchFamily="34" charset="0"/>
+                <a:cs typeface="Segoe UI" pitchFamily="34" charset="0"/>
+              </a:endParaRPr>
+            </a:p>
+          </p:txBody>
+        </p:sp>
+        <p:pic>
+          <p:nvPicPr>
+            <p:cNvPr id="4" name="Picture 3" descr="Preferred Solution">
+              <a:extLst>
+                <a:ext uri="{FF2B5EF4-FFF2-40B4-BE49-F238E27FC236}">
+                  <a16:creationId xmlns:a16="http://schemas.microsoft.com/office/drawing/2014/main" id="{F4BE27EC-E8A8-41D7-B6BF-D53BD9F24BFA}"/>
+                </a:ext>
+              </a:extLst>
+            </p:cNvPr>
+            <p:cNvPicPr>
+              <a:picLocks noChangeAspect="1"/>
+            </p:cNvPicPr>
+            <p:nvPr/>
+          </p:nvPicPr>
+          <p:blipFill>
+            <a:blip r:embed="rId3"/>
+            <a:stretch>
+              <a:fillRect/>
+            </a:stretch>
+          </p:blipFill>
+          <p:spPr>
+            <a:xfrm>
+              <a:off x="2688450" y="1548344"/>
+              <a:ext cx="6815100" cy="5162955"/>
+            </a:xfrm>
+            <a:prstGeom prst="rect">
+              <a:avLst/>
+            </a:prstGeom>
+          </p:spPr>
+        </p:pic>
+      </p:grpSp>
       <p:sp>
         <p:nvSpPr>
           <p:cNvPr id="2" name="Title 1"/>
@@ -15882,36 +15933,6 @@
           </a:p>
         </p:txBody>
       </p:sp>
-      <p:pic>
-        <p:nvPicPr>
-          <p:cNvPr id="4" name="Picture 3">
-            <a:extLst>
-              <a:ext uri="{FF2B5EF4-FFF2-40B4-BE49-F238E27FC236}">
-                <a16:creationId xmlns:a16="http://schemas.microsoft.com/office/drawing/2014/main" id="{F4BE27EC-E8A8-41D7-B6BF-D53BD9F24BFA}"/>
-              </a:ext>
-            </a:extLst>
-          </p:cNvPr>
-          <p:cNvPicPr>
-            <a:picLocks noChangeAspect="1"/>
-          </p:cNvPicPr>
-          <p:nvPr/>
-        </p:nvPicPr>
-        <p:blipFill>
-          <a:blip r:embed="rId3"/>
-          <a:stretch>
-            <a:fillRect/>
-          </a:stretch>
-        </p:blipFill>
-        <p:spPr>
-          <a:xfrm>
-            <a:off x="2688450" y="1548344"/>
-            <a:ext cx="6815100" cy="5162955"/>
-          </a:xfrm>
-          <a:prstGeom prst="rect">
-            <a:avLst/>
-          </a:prstGeom>
-        </p:spPr>
-      </p:pic>
     </p:spTree>
     <p:extLst>
       <p:ext uri="{BB962C8B-B14F-4D97-AF65-F5344CB8AC3E}">
@@ -16257,7 +16278,7 @@
       </p:grpSpPr>
       <p:sp>
         <p:nvSpPr>
-          <p:cNvPr id="5" name="Rectangle 4">
+          <p:cNvPr id="5" name="Rectangle 4" descr=".NET Portability Analyzer Report Graph">
             <a:extLst>
               <a:ext uri="{FF2B5EF4-FFF2-40B4-BE49-F238E27FC236}">
                 <a16:creationId xmlns:a16="http://schemas.microsoft.com/office/drawing/2014/main" id="{256D026B-CE54-4415-BE9E-0EECBA32D757}"/>
@@ -16337,59 +16358,6 @@
           </a:p>
         </p:txBody>
       </p:sp>
-      <p:sp>
-        <p:nvSpPr>
-          <p:cNvPr id="2" name="Text Placeholder 1">
-            <a:extLst>
-              <a:ext uri="{FF2B5EF4-FFF2-40B4-BE49-F238E27FC236}">
-                <a16:creationId xmlns:a16="http://schemas.microsoft.com/office/drawing/2014/main" id="{BA09CC1A-32B6-4452-8041-260FCBFE41FF}"/>
-              </a:ext>
-            </a:extLst>
-          </p:cNvPr>
-          <p:cNvSpPr>
-            <a:spLocks noGrp="1"/>
-          </p:cNvSpPr>
-          <p:nvPr>
-            <p:ph type="body" sz="quarter" idx="10"/>
-          </p:nvPr>
-        </p:nvSpPr>
-        <p:spPr/>
-        <p:txBody>
-          <a:bodyPr/>
-          <a:lstStyle/>
-          <a:p>
-            <a:endParaRPr lang="en-US"/>
-          </a:p>
-        </p:txBody>
-      </p:sp>
-      <p:sp>
-        <p:nvSpPr>
-          <p:cNvPr id="3" name="Title 2">
-            <a:extLst>
-              <a:ext uri="{FF2B5EF4-FFF2-40B4-BE49-F238E27FC236}">
-                <a16:creationId xmlns:a16="http://schemas.microsoft.com/office/drawing/2014/main" id="{4189C304-EF01-4D93-9BC3-23875FE3D875}"/>
-              </a:ext>
-            </a:extLst>
-          </p:cNvPr>
-          <p:cNvSpPr>
-            <a:spLocks noGrp="1"/>
-          </p:cNvSpPr>
-          <p:nvPr>
-            <p:ph type="title"/>
-          </p:nvPr>
-        </p:nvSpPr>
-        <p:spPr/>
-        <p:txBody>
-          <a:bodyPr/>
-          <a:lstStyle/>
-          <a:p>
-            <a:r>
-              <a:rPr lang="en-US" dirty="0"/>
-              <a:t>The .NET Portability Analyzer </a:t>
-            </a:r>
-          </a:p>
-        </p:txBody>
-      </p:sp>
       <p:pic>
         <p:nvPicPr>
           <p:cNvPr id="1026" name="Picture 2">
@@ -16437,6 +16405,34 @@
           </a:extLst>
         </p:spPr>
       </p:pic>
+      <p:sp>
+        <p:nvSpPr>
+          <p:cNvPr id="3" name="Title 2">
+            <a:extLst>
+              <a:ext uri="{FF2B5EF4-FFF2-40B4-BE49-F238E27FC236}">
+                <a16:creationId xmlns:a16="http://schemas.microsoft.com/office/drawing/2014/main" id="{4189C304-EF01-4D93-9BC3-23875FE3D875}"/>
+              </a:ext>
+            </a:extLst>
+          </p:cNvPr>
+          <p:cNvSpPr>
+            <a:spLocks noGrp="1"/>
+          </p:cNvSpPr>
+          <p:nvPr>
+            <p:ph type="title"/>
+          </p:nvPr>
+        </p:nvSpPr>
+        <p:spPr/>
+        <p:txBody>
+          <a:bodyPr/>
+          <a:lstStyle/>
+          <a:p>
+            <a:r>
+              <a:rPr lang="en-US" dirty="0"/>
+              <a:t>The .NET Portability Analyzer </a:t>
+            </a:r>
+          </a:p>
+        </p:txBody>
+      </p:sp>
     </p:spTree>
     <p:extLst>
       <p:ext uri="{BB962C8B-B14F-4D97-AF65-F5344CB8AC3E}">
@@ -17684,7 +17680,7 @@
       </p:sp>
       <p:pic>
         <p:nvPicPr>
-          <p:cNvPr id="5" name="Picture 4">
+          <p:cNvPr id="5" name="Picture 4" descr="Parts Unlimited Logo">
             <a:extLst>
               <a:ext uri="{FF2B5EF4-FFF2-40B4-BE49-F238E27FC236}">
                 <a16:creationId xmlns:a16="http://schemas.microsoft.com/office/drawing/2014/main" id="{D96B1F04-659A-4ED0-852D-56E9A42031D8}"/>

--- a/Whiteboard design session/WDS trainer presentation - App modernization.pptx
+++ b/Whiteboard design session/WDS trainer presentation - App modernization.pptx
@@ -225,7 +225,7 @@
           <a:p>
             <a:fld id="{52A13B17-C506-4D51-BB37-16B365906619}" type="datetimeFigureOut">
               <a:rPr lang="en-US" smtClean="0"/>
-              <a:t>3/2/2021</a:t>
+              <a:t>2021-03-09</a:t>
             </a:fld>
             <a:endParaRPr lang="en-US" dirty="0"/>
           </a:p>
@@ -1375,7 +1375,7 @@
                 <a:effectLst/>
                 <a:latin typeface="Segoe UI" panose="020B0502040204020203" pitchFamily="34" charset="0"/>
               </a:rPr>
-              <a:t>, which analyzes one assembly per project, and as a </a:t>
+              <a:t>, which analyzes one assembly per project, and as an </a:t>
             </a:r>
             <a:r>
               <a:rPr lang="en-US" b="0" i="0" u="none" strike="noStrike" dirty="0">
@@ -1403,7 +1403,7 @@
                 <a:effectLst/>
                 <a:latin typeface="-apple-system"/>
               </a:rPr>
-              <a:t>Here you see a DGML file showing dependencies in Parts Unlimited web application.</a:t>
+              <a:t>Here you see a DGML file showing dependencies in the Parts Unlimited web application.</a:t>
             </a:r>
             <a:endParaRPr lang="en-US" dirty="0"/>
           </a:p>
@@ -1862,113 +1862,134 @@
           <a:bodyPr/>
           <a:lstStyle/>
           <a:p>
-            <a:r>
-              <a:rPr lang="en-US" sz="4800" b="0" dirty="0">
+            <a:pPr>
+              <a:spcBef>
+                <a:spcPts val="0"/>
+              </a:spcBef>
+              <a:spcAft>
+                <a:spcPts val="0"/>
+              </a:spcAft>
+            </a:pPr>
+            <a:r>
+              <a:rPr lang="en-US" sz="6600" dirty="0">
                 <a:solidFill>
-                  <a:srgbClr val="000000"/>
+                  <a:srgbClr val="0E101A"/>
                 </a:solidFill>
                 <a:effectLst/>
-                <a:latin typeface="Consolas" panose="020B0609020204030204" pitchFamily="49" charset="0"/>
               </a:rPr>
-              <a:t>- We have </a:t>
-            </a:r>
-            <a:r>
-              <a:rPr lang="en-US" sz="4800" b="0" dirty="0">
+              <a:t>- We have [The .NET Portability Analyzer](</a:t>
+            </a:r>
+            <a:r>
+              <a:rPr lang="en-US" sz="6600" u="sng" dirty="0">
                 <a:solidFill>
-                  <a:srgbClr val="A31515"/>
+                  <a:srgbClr val="0E101A"/>
                 </a:solidFill>
                 <a:effectLst/>
-                <a:latin typeface="Consolas" panose="020B0609020204030204" pitchFamily="49" charset="0"/>
               </a:rPr>
-              <a:t>[The .NET Portability Analyzer]</a:t>
-            </a:r>
-            <a:r>
-              <a:rPr lang="en-US" sz="4800" b="0" dirty="0">
+              <a:t>https://docs.microsoft.com/en-us/dotnet/standard/analyzers/portability-analyzer</a:t>
+            </a:r>
+            <a:r>
+              <a:rPr lang="en-US" sz="6600" dirty="0">
                 <a:solidFill>
-                  <a:srgbClr val="222222"/>
+                  <a:srgbClr val="0E101A"/>
                 </a:solidFill>
                 <a:effectLst/>
-                <a:latin typeface="Consolas" panose="020B0609020204030204" pitchFamily="49" charset="0"/>
               </a:rPr>
-              <a:t>(</a:t>
-            </a:r>
-            <a:r>
-              <a:rPr lang="en-US" sz="4800" b="0" u="sng" dirty="0">
+              <a:t>) that can be used to assess how much work is required for a migration. We know projects that can migrate with a single configuration change and others who had to do some work based on the application's complexity and code dependencies. The .NET Portability Analyzer can give you a good idea of how much effort is required to migrate to a newer version, including an assessment of all your code dependencies. </a:t>
+            </a:r>
+          </a:p>
+          <a:p>
+            <a:pPr>
+              <a:spcBef>
+                <a:spcPts val="0"/>
+              </a:spcBef>
+              <a:spcAft>
+                <a:spcPts val="0"/>
+              </a:spcAft>
+            </a:pPr>
+            <a:r>
+              <a:rPr lang="en-US" sz="6600" dirty="0">
                 <a:solidFill>
-                  <a:srgbClr val="000000"/>
+                  <a:srgbClr val="0E101A"/>
                 </a:solidFill>
                 <a:effectLst/>
-                <a:latin typeface="Consolas" panose="020B0609020204030204" pitchFamily="49" charset="0"/>
               </a:rPr>
-              <a:t>https://docs.microsoft.com/en-us/dotnet/standard/analyzers/portability-analyzer</a:t>
-            </a:r>
-            <a:r>
-              <a:rPr lang="en-US" sz="4800" b="0" dirty="0">
+              <a:t>- When a .NET Core version is </a:t>
+            </a:r>
+            <a:r>
+              <a:rPr lang="en-US" sz="6600" dirty="0" err="1">
                 <a:solidFill>
-                  <a:srgbClr val="222222"/>
+                  <a:srgbClr val="0E101A"/>
                 </a:solidFill>
                 <a:effectLst/>
-                <a:latin typeface="Consolas" panose="020B0609020204030204" pitchFamily="49" charset="0"/>
               </a:rPr>
-              <a:t>)</a:t>
-            </a:r>
-            <a:r>
-              <a:rPr lang="en-US" sz="4800" b="0" dirty="0">
+              <a:t>EoL</a:t>
+            </a:r>
+            <a:r>
+              <a:rPr lang="en-US" sz="6600" dirty="0">
                 <a:solidFill>
-                  <a:srgbClr val="000000"/>
+                  <a:srgbClr val="0E101A"/>
                 </a:solidFill>
                 <a:effectLst/>
-                <a:latin typeface="Consolas" panose="020B0609020204030204" pitchFamily="49" charset="0"/>
               </a:rPr>
-              <a:t> that can be used to assess how much work is required for a migration. We know projects that can migrate with a single configuration change and others who had to do some work based on the application's complexity and code dependencies. The .NET Portability Analyzer can give you a good idea of how much effort is required to migrate to a newer version including an assessment of all your code dependencies. </a:t>
-            </a:r>
-          </a:p>
-          <a:p>
-            <a:r>
-              <a:rPr lang="en-US" sz="4800" b="0" dirty="0">
+              <a:t> (End-of-Life), does that mean we cannot host our solution in Azure?</a:t>
+            </a:r>
+          </a:p>
+          <a:p>
+            <a:pPr>
+              <a:spcBef>
+                <a:spcPts val="0"/>
+              </a:spcBef>
+              <a:spcAft>
+                <a:spcPts val="0"/>
+              </a:spcAft>
+            </a:pPr>
+            <a:r>
+              <a:rPr lang="en-US" sz="6600" dirty="0">
                 <a:solidFill>
-                  <a:srgbClr val="000000"/>
+                  <a:srgbClr val="0E101A"/>
                 </a:solidFill>
                 <a:effectLst/>
-                <a:latin typeface="Consolas" panose="020B0609020204030204" pitchFamily="49" charset="0"/>
               </a:rPr>
-              <a:t>- When a .NET Core version is EoL (End-of-Life), does that mean we cannot host our solution in Azure?</a:t>
-            </a:r>
-          </a:p>
-          <a:p>
-            <a:r>
-              <a:rPr lang="en-US" sz="4800" b="0" dirty="0">
+              <a:t>- After the End-Of-Lime time, .NET Core patch updates will no longer be available for .NET Core 2.2. Your application will still run. .NET Core 2.2 was released as a non-LTS (Long Term Support) release. A non-LTS ("Current") release is supported for three months after the next release. For hosting applications that you do not intend to update often, we suggest LTS releases. LTS releases include features and components that have been stabilized, requiring few updates over a longer support release lifetime. The supported upgrade path from .NET Core 2.2 is via .NET Core 3.1. .NET Core 3.1 is released December 3, 2019, as a long-term support release. </a:t>
+            </a:r>
+          </a:p>
+          <a:p>
+            <a:pPr>
+              <a:spcBef>
+                <a:spcPts val="0"/>
+              </a:spcBef>
+              <a:spcAft>
+                <a:spcPts val="0"/>
+              </a:spcAft>
+            </a:pPr>
+            <a:r>
+              <a:rPr lang="en-US" sz="6600" dirty="0">
                 <a:solidFill>
-                  <a:srgbClr val="000000"/>
+                  <a:srgbClr val="0E101A"/>
                 </a:solidFill>
                 <a:effectLst/>
-                <a:latin typeface="Consolas" panose="020B0609020204030204" pitchFamily="49" charset="0"/>
               </a:rPr>
-              <a:t>- After the End-Of-Lime time, .NET Core patch updates will no longer be available for .NET Core 2.2. Your application will still run. .NET Core 2.2 was released as a non-LTS (Long Term Support) release. A non-LTS ("Current") release is supported for three months after the next release. For hosting applications that you do not intend to update often, we suggest LTS releases. LTS releases include features and components that have been stabilized, requiring few updates over a longer support release lifetime. The supported upgrade path from .NET Core 2.2 is via .NET Core 3.1. .NET Core 3.1 is released December 3, 2019, as a long-term support release. </a:t>
-            </a:r>
-          </a:p>
-          <a:p>
-            <a:r>
-              <a:rPr lang="en-US" sz="4800" b="0" dirty="0">
+              <a:t>- Azure is an open cloud that offers multiple choices. We suggest App Service if you have a single or a few back-end services in an N-Tier architecture. Azure Kubernetes Services is a better fit for Cloud-Native (Microservices) design.</a:t>
+            </a:r>
+          </a:p>
+          <a:p>
+            <a:pPr>
+              <a:spcBef>
+                <a:spcPts val="0"/>
+              </a:spcBef>
+              <a:spcAft>
+                <a:spcPts val="0"/>
+              </a:spcAft>
+            </a:pPr>
+            <a:r>
+              <a:rPr lang="en-US" sz="6600" dirty="0">
                 <a:solidFill>
-                  <a:srgbClr val="000000"/>
+                  <a:srgbClr val="0E101A"/>
                 </a:solidFill>
                 <a:effectLst/>
-                <a:latin typeface="Consolas" panose="020B0609020204030204" pitchFamily="49" charset="0"/>
               </a:rPr>
-              <a:t>- Azure is an open cloud that offers multiple choices. We suggest App Service if you have a single or a few back-end services in an N-Tier architecture. Azure Kubernetes Services is a better fit for Cloud-Native (Microservices) design.</a:t>
-            </a:r>
-          </a:p>
-          <a:p>
-            <a:r>
-              <a:rPr lang="en-US" sz="4800" b="0" dirty="0">
-                <a:solidFill>
-                  <a:srgbClr val="000000"/>
-                </a:solidFill>
-                <a:effectLst/>
-                <a:latin typeface="Consolas" panose="020B0609020204030204" pitchFamily="49" charset="0"/>
-              </a:rPr>
-              <a:t>- Azure has 60+ regions, more than any other cloud provider. Our physical infrastructure comprises 160+ physical datacenters arranged into regions and linked by one of the world's largest interconnected networks. We have services such as Azure Traffic Manager for DNS-based traffic load balancing, Azure Front Door, a global, scalable entry-point that uses the Microsoft global edge network to create fast, secure, and widely scalable web applications, and Azure CosmosDB, a globally-distributed planet-scale database service. All these services are ready for implementation and used by millions of customers every day. We would be more than happy to help Parts Unlimited scale its operations globally.</a:t>
+              <a:t>- Azure has 60+ regions, more than any other cloud provider. Our physical infrastructure comprises 160+ physical datacenters arranged into regions and linked by one of the world's largest interconnected networks. We have services such as Azure Traffic Manager for DNS-based traffic load balancing, Azure Front Door, a global, scalable entry-point that uses the Microsoft global edge network to create fast, secure, and widely scalable web applications, and Azure CosmosDB, a globally-distributed planet-scale database service. All these services are ready for implementation and used by millions of customers every day. We would be more than happy to help Parts Unlimited scale its operations globally.</a:t>
             </a:r>
           </a:p>
         </p:txBody>
@@ -2344,7 +2365,7 @@
                   <a:prstClr val="black"/>
                 </a:solidFill>
               </a:rPr>
-              <a:t>3/2/2021 9:10 AM</a:t>
+              <a:t>2021-03-09 1:48 PM</a:t>
             </a:fld>
             <a:endParaRPr lang="en-US" dirty="0">
               <a:solidFill>
@@ -17770,237 +17791,6 @@
           </a:p>
         </p:txBody>
       </p:sp>
-      <p:pic>
-        <p:nvPicPr>
-          <p:cNvPr id="5" name="Picture 4" descr="Contoso Insurance logo" title="Contoso Insurance logo">
-            <a:extLst>
-              <a:ext uri="{FF2B5EF4-FFF2-40B4-BE49-F238E27FC236}">
-                <a16:creationId xmlns:a16="http://schemas.microsoft.com/office/drawing/2014/main" id="{EC3AF1FC-904F-45B4-B889-E582F43AF574}"/>
-              </a:ext>
-            </a:extLst>
-          </p:cNvPr>
-          <p:cNvPicPr>
-            <a:picLocks noChangeAspect="1"/>
-          </p:cNvPicPr>
-          <p:nvPr/>
-        </p:nvPicPr>
-        <p:blipFill>
-          <a:blip r:embed="rId3">
-            <a:extLst>
-              <a:ext uri="{28A0092B-C50C-407E-A947-70E740481C1C}">
-                <a14:useLocalDpi xmlns:a14="http://schemas.microsoft.com/office/drawing/2010/main" val="0"/>
-              </a:ext>
-            </a:extLst>
-          </a:blip>
-          <a:stretch>
-            <a:fillRect/>
-          </a:stretch>
-        </p:blipFill>
-        <p:spPr>
-          <a:xfrm>
-            <a:off x="10193514" y="289511"/>
-            <a:ext cx="1524000" cy="1524000"/>
-          </a:xfrm>
-          <a:prstGeom prst="rect">
-            <a:avLst/>
-          </a:prstGeom>
-        </p:spPr>
-      </p:pic>
-      <p:pic>
-        <p:nvPicPr>
-          <p:cNvPr id="13" name="Graphic 12" descr="Mobile device icon">
-            <a:extLst>
-              <a:ext uri="{FF2B5EF4-FFF2-40B4-BE49-F238E27FC236}">
-                <a16:creationId xmlns:a16="http://schemas.microsoft.com/office/drawing/2014/main" id="{31B50B0C-C074-4091-B6D7-15CEE888267D}"/>
-              </a:ext>
-            </a:extLst>
-          </p:cNvPr>
-          <p:cNvPicPr>
-            <a:picLocks noChangeAspect="1"/>
-          </p:cNvPicPr>
-          <p:nvPr/>
-        </p:nvPicPr>
-        <p:blipFill>
-          <a:blip r:embed="rId4" cstate="print">
-            <a:extLst>
-              <a:ext uri="{28A0092B-C50C-407E-A947-70E740481C1C}">
-                <a14:useLocalDpi xmlns:a14="http://schemas.microsoft.com/office/drawing/2010/main" val="0"/>
-              </a:ext>
-              <a:ext uri="{96DAC541-7B7A-43D3-8B79-37D633B846F1}">
-                <asvg:svgBlip xmlns:asvg="http://schemas.microsoft.com/office/drawing/2016/SVG/main" r:embed="rId5"/>
-              </a:ext>
-            </a:extLst>
-          </a:blip>
-          <a:stretch>
-            <a:fillRect/>
-          </a:stretch>
-        </p:blipFill>
-        <p:spPr>
-          <a:xfrm>
-            <a:off x="9971096" y="2308845"/>
-            <a:ext cx="914400" cy="914400"/>
-          </a:xfrm>
-          <a:prstGeom prst="rect">
-            <a:avLst/>
-          </a:prstGeom>
-        </p:spPr>
-      </p:pic>
-      <p:pic>
-        <p:nvPicPr>
-          <p:cNvPr id="9" name="Graphic 8" descr="Tools icon">
-            <a:extLst>
-              <a:ext uri="{FF2B5EF4-FFF2-40B4-BE49-F238E27FC236}">
-                <a16:creationId xmlns:a16="http://schemas.microsoft.com/office/drawing/2014/main" id="{89FEF95B-601C-4168-8437-381D7F5D664F}"/>
-              </a:ext>
-            </a:extLst>
-          </p:cNvPr>
-          <p:cNvPicPr>
-            <a:picLocks noChangeAspect="1"/>
-          </p:cNvPicPr>
-          <p:nvPr/>
-        </p:nvPicPr>
-        <p:blipFill>
-          <a:blip r:embed="rId6" cstate="print">
-            <a:extLst>
-              <a:ext uri="{28A0092B-C50C-407E-A947-70E740481C1C}">
-                <a14:useLocalDpi xmlns:a14="http://schemas.microsoft.com/office/drawing/2010/main" val="0"/>
-              </a:ext>
-              <a:ext uri="{96DAC541-7B7A-43D3-8B79-37D633B846F1}">
-                <asvg:svgBlip xmlns:asvg="http://schemas.microsoft.com/office/drawing/2016/SVG/main" r:embed="rId7"/>
-              </a:ext>
-            </a:extLst>
-          </a:blip>
-          <a:stretch>
-            <a:fillRect/>
-          </a:stretch>
-        </p:blipFill>
-        <p:spPr>
-          <a:xfrm>
-            <a:off x="10948088" y="2308845"/>
-            <a:ext cx="914400" cy="914400"/>
-          </a:xfrm>
-          <a:prstGeom prst="rect">
-            <a:avLst/>
-          </a:prstGeom>
-        </p:spPr>
-      </p:pic>
-      <p:pic>
-        <p:nvPicPr>
-          <p:cNvPr id="7" name="Graphic 6" descr="Key icon">
-            <a:extLst>
-              <a:ext uri="{FF2B5EF4-FFF2-40B4-BE49-F238E27FC236}">
-                <a16:creationId xmlns:a16="http://schemas.microsoft.com/office/drawing/2014/main" id="{5438B829-CEFC-413B-B15B-DDA2452C80C7}"/>
-              </a:ext>
-            </a:extLst>
-          </p:cNvPr>
-          <p:cNvPicPr>
-            <a:picLocks noChangeAspect="1"/>
-          </p:cNvPicPr>
-          <p:nvPr/>
-        </p:nvPicPr>
-        <p:blipFill>
-          <a:blip r:embed="rId8" cstate="print">
-            <a:extLst>
-              <a:ext uri="{28A0092B-C50C-407E-A947-70E740481C1C}">
-                <a14:useLocalDpi xmlns:a14="http://schemas.microsoft.com/office/drawing/2010/main" val="0"/>
-              </a:ext>
-              <a:ext uri="{96DAC541-7B7A-43D3-8B79-37D633B846F1}">
-                <asvg:svgBlip xmlns:asvg="http://schemas.microsoft.com/office/drawing/2016/SVG/main" r:embed="rId9"/>
-              </a:ext>
-            </a:extLst>
-          </a:blip>
-          <a:stretch>
-            <a:fillRect/>
-          </a:stretch>
-        </p:blipFill>
-        <p:spPr>
-          <a:xfrm>
-            <a:off x="10490888" y="3471579"/>
-            <a:ext cx="914400" cy="914400"/>
-          </a:xfrm>
-          <a:prstGeom prst="rect">
-            <a:avLst/>
-          </a:prstGeom>
-        </p:spPr>
-      </p:pic>
-      <p:pic>
-        <p:nvPicPr>
-          <p:cNvPr id="11" name="Graphic 10" descr="Search icon">
-            <a:extLst>
-              <a:ext uri="{FF2B5EF4-FFF2-40B4-BE49-F238E27FC236}">
-                <a16:creationId xmlns:a16="http://schemas.microsoft.com/office/drawing/2014/main" id="{7AAEC09D-AC5D-4276-B73B-F792901F31AE}"/>
-              </a:ext>
-            </a:extLst>
-          </p:cNvPr>
-          <p:cNvPicPr>
-            <a:picLocks noChangeAspect="1"/>
-          </p:cNvPicPr>
-          <p:nvPr/>
-        </p:nvPicPr>
-        <p:blipFill>
-          <a:blip r:embed="rId10" cstate="print">
-            <a:extLst>
-              <a:ext uri="{28A0092B-C50C-407E-A947-70E740481C1C}">
-                <a14:useLocalDpi xmlns:a14="http://schemas.microsoft.com/office/drawing/2010/main" val="0"/>
-              </a:ext>
-              <a:ext uri="{96DAC541-7B7A-43D3-8B79-37D633B846F1}">
-                <asvg:svgBlip xmlns:asvg="http://schemas.microsoft.com/office/drawing/2016/SVG/main" r:embed="rId11"/>
-              </a:ext>
-            </a:extLst>
-          </a:blip>
-          <a:stretch>
-            <a:fillRect/>
-          </a:stretch>
-        </p:blipFill>
-        <p:spPr>
-          <a:xfrm>
-            <a:off x="10525911" y="4342914"/>
-            <a:ext cx="914400" cy="914400"/>
-          </a:xfrm>
-          <a:prstGeom prst="rect">
-            <a:avLst/>
-          </a:prstGeom>
-        </p:spPr>
-      </p:pic>
-      <p:pic>
-        <p:nvPicPr>
-          <p:cNvPr id="15" name="Graphic 14" descr="Database icon">
-            <a:extLst>
-              <a:ext uri="{FF2B5EF4-FFF2-40B4-BE49-F238E27FC236}">
-                <a16:creationId xmlns:a16="http://schemas.microsoft.com/office/drawing/2014/main" id="{6A79573E-C9C2-4F4F-9748-2E1239AAB63C}"/>
-              </a:ext>
-            </a:extLst>
-          </p:cNvPr>
-          <p:cNvPicPr>
-            <a:picLocks noChangeAspect="1"/>
-          </p:cNvPicPr>
-          <p:nvPr/>
-        </p:nvPicPr>
-        <p:blipFill>
-          <a:blip r:embed="rId12" cstate="print">
-            <a:extLst>
-              <a:ext uri="{28A0092B-C50C-407E-A947-70E740481C1C}">
-                <a14:useLocalDpi xmlns:a14="http://schemas.microsoft.com/office/drawing/2010/main" val="0"/>
-              </a:ext>
-              <a:ext uri="{96DAC541-7B7A-43D3-8B79-37D633B846F1}">
-                <asvg:svgBlip xmlns:asvg="http://schemas.microsoft.com/office/drawing/2016/SVG/main" r:embed="rId13"/>
-              </a:ext>
-            </a:extLst>
-          </a:blip>
-          <a:stretch>
-            <a:fillRect/>
-          </a:stretch>
-        </p:blipFill>
-        <p:spPr>
-          <a:xfrm>
-            <a:off x="10525911" y="5271941"/>
-            <a:ext cx="914400" cy="914400"/>
-          </a:xfrm>
-          <a:prstGeom prst="rect">
-            <a:avLst/>
-          </a:prstGeom>
-        </p:spPr>
-      </p:pic>
     </p:spTree>
     <p:extLst>
       <p:ext uri="{BB962C8B-B14F-4D97-AF65-F5344CB8AC3E}">

--- a/Whiteboard design session/WDS trainer presentation - App modernization.pptx
+++ b/Whiteboard design session/WDS trainer presentation - App modernization.pptx
@@ -225,7 +225,7 @@
           <a:p>
             <a:fld id="{52A13B17-C506-4D51-BB37-16B365906619}" type="datetimeFigureOut">
               <a:rPr lang="en-US" smtClean="0"/>
-              <a:t>2021-03-09</a:t>
+              <a:t>10/5/2021</a:t>
             </a:fld>
             <a:endParaRPr lang="en-US" dirty="0"/>
           </a:p>
@@ -2365,7 +2365,7 @@
                   <a:prstClr val="black"/>
                 </a:solidFill>
               </a:rPr>
-              <a:t>2021-03-09 1:48 PM</a:t>
+              <a:t>10/5/2021 9:33 AM</a:t>
             </a:fld>
             <a:endParaRPr lang="en-US" dirty="0">
               <a:solidFill>
@@ -17965,7 +17965,7 @@
       </p:sp>
       <p:pic>
         <p:nvPicPr>
-          <p:cNvPr id="5" name="Graphic 4" descr="Customer objections icon">
+          <p:cNvPr id="5" name="Graphic 4" descr="Customer objections icon.  Question mark.">
             <a:extLst>
               <a:ext uri="{FF2B5EF4-FFF2-40B4-BE49-F238E27FC236}">
                 <a16:creationId xmlns:a16="http://schemas.microsoft.com/office/drawing/2014/main" id="{65F19434-6D82-4CAD-8B2D-6213DE94FB81}"/>
